--- a/blog/EvoTrees - Intro to Gradient Boosting Trees.pptx
+++ b/blog/EvoTrees - Intro to Gradient Boosting Trees.pptx
@@ -5,21 +5,20 @@
     <p:sldMasterId id="2147483660" r:id="rId1"/>
   </p:sldMasterIdLst>
   <p:notesMasterIdLst>
-    <p:notesMasterId r:id="rId14"/>
+    <p:notesMasterId r:id="rId13"/>
   </p:notesMasterIdLst>
   <p:sldIdLst>
     <p:sldId id="256" r:id="rId2"/>
-    <p:sldId id="258" r:id="rId3"/>
-    <p:sldId id="445" r:id="rId4"/>
-    <p:sldId id="444" r:id="rId5"/>
-    <p:sldId id="447" r:id="rId6"/>
-    <p:sldId id="446" r:id="rId7"/>
-    <p:sldId id="448" r:id="rId8"/>
-    <p:sldId id="450" r:id="rId9"/>
-    <p:sldId id="449" r:id="rId10"/>
-    <p:sldId id="443" r:id="rId11"/>
-    <p:sldId id="452" r:id="rId12"/>
-    <p:sldId id="451" r:id="rId13"/>
+    <p:sldId id="445" r:id="rId3"/>
+    <p:sldId id="444" r:id="rId4"/>
+    <p:sldId id="447" r:id="rId5"/>
+    <p:sldId id="446" r:id="rId6"/>
+    <p:sldId id="448" r:id="rId7"/>
+    <p:sldId id="450" r:id="rId8"/>
+    <p:sldId id="449" r:id="rId9"/>
+    <p:sldId id="443" r:id="rId10"/>
+    <p:sldId id="452" r:id="rId11"/>
+    <p:sldId id="451" r:id="rId12"/>
   </p:sldIdLst>
   <p:sldSz cx="9144000" cy="6858000" type="screen4x3"/>
   <p:notesSz cx="7010400" cy="9296400"/>
@@ -238,7 +237,7 @@
           <a:p>
             <a:fld id="{1C044A73-7DF2-4BE1-B866-7A3D71333E5E}" type="datetimeFigureOut">
               <a:rPr lang="en-CA" smtClean="0"/>
-              <a:t>2020-07-13</a:t>
+              <a:t>2020-07-16</a:t>
             </a:fld>
             <a:endParaRPr lang="en-CA"/>
           </a:p>
@@ -661,7 +660,7 @@
           <a:p>
             <a:fld id="{639688F5-EE26-4FC2-A712-24CB14AE8397}" type="slidenum">
               <a:rPr lang="en-CA" smtClean="0"/>
-              <a:t>3</a:t>
+              <a:t>2</a:t>
             </a:fld>
             <a:endParaRPr lang="en-CA"/>
           </a:p>
@@ -835,7 +834,7 @@
           <a:p>
             <a:fld id="{639688F5-EE26-4FC2-A712-24CB14AE8397}" type="slidenum">
               <a:rPr lang="en-CA" smtClean="0"/>
-              <a:t>12</a:t>
+              <a:t>11</a:t>
             </a:fld>
             <a:endParaRPr lang="en-CA"/>
           </a:p>
@@ -1009,7 +1008,7 @@
           <a:p>
             <a:fld id="{639688F5-EE26-4FC2-A712-24CB14AE8397}" type="slidenum">
               <a:rPr lang="en-CA" smtClean="0"/>
-              <a:t>4</a:t>
+              <a:t>3</a:t>
             </a:fld>
             <a:endParaRPr lang="en-CA"/>
           </a:p>
@@ -1183,7 +1182,7 @@
           <a:p>
             <a:fld id="{639688F5-EE26-4FC2-A712-24CB14AE8397}" type="slidenum">
               <a:rPr lang="en-CA" smtClean="0"/>
-              <a:t>5</a:t>
+              <a:t>4</a:t>
             </a:fld>
             <a:endParaRPr lang="en-CA"/>
           </a:p>
@@ -1357,7 +1356,7 @@
           <a:p>
             <a:fld id="{639688F5-EE26-4FC2-A712-24CB14AE8397}" type="slidenum">
               <a:rPr lang="en-CA" smtClean="0"/>
-              <a:t>6</a:t>
+              <a:t>5</a:t>
             </a:fld>
             <a:endParaRPr lang="en-CA"/>
           </a:p>
@@ -1531,7 +1530,7 @@
           <a:p>
             <a:fld id="{639688F5-EE26-4FC2-A712-24CB14AE8397}" type="slidenum">
               <a:rPr lang="en-CA" smtClean="0"/>
-              <a:t>7</a:t>
+              <a:t>6</a:t>
             </a:fld>
             <a:endParaRPr lang="en-CA"/>
           </a:p>
@@ -1705,7 +1704,7 @@
           <a:p>
             <a:fld id="{639688F5-EE26-4FC2-A712-24CB14AE8397}" type="slidenum">
               <a:rPr lang="en-CA" smtClean="0"/>
-              <a:t>8</a:t>
+              <a:t>7</a:t>
             </a:fld>
             <a:endParaRPr lang="en-CA"/>
           </a:p>
@@ -1879,7 +1878,7 @@
           <a:p>
             <a:fld id="{639688F5-EE26-4FC2-A712-24CB14AE8397}" type="slidenum">
               <a:rPr lang="en-CA" smtClean="0"/>
-              <a:t>9</a:t>
+              <a:t>8</a:t>
             </a:fld>
             <a:endParaRPr lang="en-CA"/>
           </a:p>
@@ -2053,7 +2052,7 @@
           <a:p>
             <a:fld id="{639688F5-EE26-4FC2-A712-24CB14AE8397}" type="slidenum">
               <a:rPr lang="en-CA" smtClean="0"/>
-              <a:t>10</a:t>
+              <a:t>9</a:t>
             </a:fld>
             <a:endParaRPr lang="en-CA"/>
           </a:p>
@@ -2227,7 +2226,7 @@
           <a:p>
             <a:fld id="{639688F5-EE26-4FC2-A712-24CB14AE8397}" type="slidenum">
               <a:rPr lang="en-CA" smtClean="0"/>
-              <a:t>11</a:t>
+              <a:t>10</a:t>
             </a:fld>
             <a:endParaRPr lang="en-CA"/>
           </a:p>
@@ -2377,7 +2376,7 @@
           <a:p>
             <a:fld id="{92630B73-6DC8-4E42-84AC-14F799BA0D0E}" type="datetimeFigureOut">
               <a:rPr lang="en-CA" smtClean="0"/>
-              <a:t>2020-07-13</a:t>
+              <a:t>2020-07-16</a:t>
             </a:fld>
             <a:endParaRPr lang="en-CA"/>
           </a:p>
@@ -2547,7 +2546,7 @@
           <a:p>
             <a:fld id="{92630B73-6DC8-4E42-84AC-14F799BA0D0E}" type="datetimeFigureOut">
               <a:rPr lang="en-CA" smtClean="0"/>
-              <a:t>2020-07-13</a:t>
+              <a:t>2020-07-16</a:t>
             </a:fld>
             <a:endParaRPr lang="en-CA"/>
           </a:p>
@@ -2727,7 +2726,7 @@
           <a:p>
             <a:fld id="{92630B73-6DC8-4E42-84AC-14F799BA0D0E}" type="datetimeFigureOut">
               <a:rPr lang="en-CA" smtClean="0"/>
-              <a:t>2020-07-13</a:t>
+              <a:t>2020-07-16</a:t>
             </a:fld>
             <a:endParaRPr lang="en-CA"/>
           </a:p>
@@ -2897,7 +2896,7 @@
           <a:p>
             <a:fld id="{92630B73-6DC8-4E42-84AC-14F799BA0D0E}" type="datetimeFigureOut">
               <a:rPr lang="en-CA" smtClean="0"/>
-              <a:t>2020-07-13</a:t>
+              <a:t>2020-07-16</a:t>
             </a:fld>
             <a:endParaRPr lang="en-CA"/>
           </a:p>
@@ -3141,7 +3140,7 @@
           <a:p>
             <a:fld id="{92630B73-6DC8-4E42-84AC-14F799BA0D0E}" type="datetimeFigureOut">
               <a:rPr lang="en-CA" smtClean="0"/>
-              <a:t>2020-07-13</a:t>
+              <a:t>2020-07-16</a:t>
             </a:fld>
             <a:endParaRPr lang="en-CA"/>
           </a:p>
@@ -3373,7 +3372,7 @@
           <a:p>
             <a:fld id="{92630B73-6DC8-4E42-84AC-14F799BA0D0E}" type="datetimeFigureOut">
               <a:rPr lang="en-CA" smtClean="0"/>
-              <a:t>2020-07-13</a:t>
+              <a:t>2020-07-16</a:t>
             </a:fld>
             <a:endParaRPr lang="en-CA"/>
           </a:p>
@@ -3740,7 +3739,7 @@
           <a:p>
             <a:fld id="{92630B73-6DC8-4E42-84AC-14F799BA0D0E}" type="datetimeFigureOut">
               <a:rPr lang="en-CA" smtClean="0"/>
-              <a:t>2020-07-13</a:t>
+              <a:t>2020-07-16</a:t>
             </a:fld>
             <a:endParaRPr lang="en-CA"/>
           </a:p>
@@ -3858,7 +3857,7 @@
           <a:p>
             <a:fld id="{92630B73-6DC8-4E42-84AC-14F799BA0D0E}" type="datetimeFigureOut">
               <a:rPr lang="en-CA" smtClean="0"/>
-              <a:t>2020-07-13</a:t>
+              <a:t>2020-07-16</a:t>
             </a:fld>
             <a:endParaRPr lang="en-CA"/>
           </a:p>
@@ -3953,7 +3952,7 @@
           <a:p>
             <a:fld id="{92630B73-6DC8-4E42-84AC-14F799BA0D0E}" type="datetimeFigureOut">
               <a:rPr lang="en-CA" smtClean="0"/>
-              <a:t>2020-07-13</a:t>
+              <a:t>2020-07-16</a:t>
             </a:fld>
             <a:endParaRPr lang="en-CA"/>
           </a:p>
@@ -4230,7 +4229,7 @@
           <a:p>
             <a:fld id="{92630B73-6DC8-4E42-84AC-14F799BA0D0E}" type="datetimeFigureOut">
               <a:rPr lang="en-CA" smtClean="0"/>
-              <a:t>2020-07-13</a:t>
+              <a:t>2020-07-16</a:t>
             </a:fld>
             <a:endParaRPr lang="en-CA"/>
           </a:p>
@@ -4487,7 +4486,7 @@
           <a:p>
             <a:fld id="{92630B73-6DC8-4E42-84AC-14F799BA0D0E}" type="datetimeFigureOut">
               <a:rPr lang="en-CA" smtClean="0"/>
-              <a:t>2020-07-13</a:t>
+              <a:t>2020-07-16</a:t>
             </a:fld>
             <a:endParaRPr lang="en-CA"/>
           </a:p>
@@ -4700,7 +4699,7 @@
           <a:p>
             <a:fld id="{92630B73-6DC8-4E42-84AC-14F799BA0D0E}" type="datetimeFigureOut">
               <a:rPr lang="en-CA" smtClean="0"/>
-              <a:t>2020-07-13</a:t>
+              <a:t>2020-07-16</a:t>
             </a:fld>
             <a:endParaRPr lang="en-CA"/>
           </a:p>
@@ -5440,8 +5439,8 @@
         </p:nvSpPr>
         <p:spPr>
           <a:xfrm>
-            <a:off x="2326032" y="2951946"/>
-            <a:ext cx="4491934" cy="954107"/>
+            <a:off x="2326031" y="2951946"/>
+            <a:ext cx="4605991" cy="954107"/>
           </a:xfrm>
           <a:prstGeom prst="rect">
             <a:avLst/>
@@ -5449,7 +5448,7 @@
           <a:noFill/>
         </p:spPr>
         <p:txBody>
-          <a:bodyPr wrap="none" rtlCol="0">
+          <a:bodyPr wrap="square" rtlCol="0">
             <a:spAutoFit/>
           </a:bodyPr>
           <a:lstStyle/>
@@ -5548,7 +5547,7 @@
                 <a:latin typeface="Montserrat ExtraLight" panose="00000300000000000000" pitchFamily="50" charset="0"/>
                 <a:ea typeface="Yu Gothic UI Light" panose="020B0300000000000000" pitchFamily="34" charset="-128"/>
               </a:rPr>
-              <a:t>Lightweight R Port</a:t>
+              <a:t>MLJ Integration</a:t>
             </a:r>
             <a:endParaRPr lang="en-CA" sz="3200" dirty="0">
               <a:solidFill>
@@ -5767,10 +5766,50 @@
       </p:pic>
       <p:sp>
         <p:nvSpPr>
-          <p:cNvPr id="6" name="Rectangle 5">
+          <p:cNvPr id="10" name="TextBox 9">
             <a:extLst>
               <a:ext uri="{FF2B5EF4-FFF2-40B4-BE49-F238E27FC236}">
-                <a16:creationId xmlns:a16="http://schemas.microsoft.com/office/drawing/2014/main" id="{E61CEB60-03B2-4D64-960F-E4B7EDE54EA5}"/>
+                <a16:creationId xmlns:a16="http://schemas.microsoft.com/office/drawing/2014/main" id="{52DE749F-76F4-4931-AD0A-7B824A98D56F}"/>
+              </a:ext>
+            </a:extLst>
+          </p:cNvPr>
+          <p:cNvSpPr txBox="1"/>
+          <p:nvPr/>
+        </p:nvSpPr>
+        <p:spPr>
+          <a:xfrm>
+            <a:off x="425454" y="1784171"/>
+            <a:ext cx="8293091" cy="523220"/>
+          </a:xfrm>
+          <a:prstGeom prst="rect">
+            <a:avLst/>
+          </a:prstGeom>
+          <a:noFill/>
+        </p:spPr>
+        <p:txBody>
+          <a:bodyPr wrap="square" rtlCol="0">
+            <a:spAutoFit/>
+          </a:bodyPr>
+          <a:lstStyle/>
+          <a:p>
+            <a:r>
+              <a:rPr lang="en-CA" sz="1400">
+                <a:latin typeface="Montserrat ExtraLight" panose="00000300000000000000" pitchFamily="50" charset="0"/>
+              </a:rPr>
+              <a:t>MLJModelInterface makes easy the adaption of an existing ML library to fit into the MLJ ecosystem. </a:t>
+            </a:r>
+            <a:endParaRPr lang="fr-CA" sz="1400">
+              <a:latin typeface="Montserrat ExtraLight" panose="00000300000000000000" pitchFamily="50" charset="0"/>
+            </a:endParaRPr>
+          </a:p>
+        </p:txBody>
+      </p:sp>
+      <p:sp>
+        <p:nvSpPr>
+          <p:cNvPr id="4" name="Rectangle 3">
+            <a:extLst>
+              <a:ext uri="{FF2B5EF4-FFF2-40B4-BE49-F238E27FC236}">
+                <a16:creationId xmlns:a16="http://schemas.microsoft.com/office/drawing/2014/main" id="{F6AB1BDC-6119-4440-96C5-42B8A328DE56}"/>
               </a:ext>
             </a:extLst>
           </p:cNvPr>
@@ -5779,8 +5818,8 @@
         </p:nvSpPr>
         <p:spPr>
           <a:xfrm>
-            <a:off x="427478" y="2771902"/>
-            <a:ext cx="4144522" cy="1015663"/>
+            <a:off x="425454" y="2541814"/>
+            <a:ext cx="8293091" cy="3416320"/>
           </a:xfrm>
           <a:prstGeom prst="rect">
             <a:avLst/>
@@ -5799,10 +5838,15 @@
           <a:p>
             <a:r>
               <a:rPr lang="fr-CA" sz="1200">
+                <a:solidFill>
+                  <a:schemeClr val="accent5">
+                    <a:lumMod val="75000"/>
+                  </a:schemeClr>
+                </a:solidFill>
                 <a:latin typeface="Courier New" panose="02070309020205020404" pitchFamily="49" charset="0"/>
                 <a:cs typeface="Courier New" panose="02070309020205020404" pitchFamily="49" charset="0"/>
               </a:rPr>
-              <a:t>.onLoad &lt;- function(libname, pkgname) {</a:t>
+              <a:t># configure model</a:t>
             </a:r>
           </a:p>
           <a:p>
@@ -5811,16 +5855,41 @@
                 <a:latin typeface="Courier New" panose="02070309020205020404" pitchFamily="49" charset="0"/>
                 <a:cs typeface="Courier New" panose="02070309020205020404" pitchFamily="49" charset="0"/>
               </a:rPr>
-              <a:t>  library(JuliaCall)</a:t>
-            </a:r>
-          </a:p>
-          <a:p>
+              <a:t>tree_model = EvoTreeRegressor(loss=:linear, max_depth=5, </a:t>
+            </a:r>
+            <a:r>
+              <a:rPr lang="el-GR" sz="1200">
+                <a:latin typeface="Courier New" panose="02070309020205020404" pitchFamily="49" charset="0"/>
+                <a:cs typeface="Courier New" panose="02070309020205020404" pitchFamily="49" charset="0"/>
+              </a:rPr>
+              <a:t>η=0.05, </a:t>
+            </a:r>
             <a:r>
               <a:rPr lang="fr-CA" sz="1200">
                 <a:latin typeface="Courier New" panose="02070309020205020404" pitchFamily="49" charset="0"/>
                 <a:cs typeface="Courier New" panose="02070309020205020404" pitchFamily="49" charset="0"/>
               </a:rPr>
-              <a:t>  JuliaCall::julia_setup()</a:t>
+              <a:t>nrounds=10)</a:t>
+            </a:r>
+          </a:p>
+          <a:p>
+            <a:endParaRPr lang="fr-CA" sz="1200">
+              <a:latin typeface="Courier New" panose="02070309020205020404" pitchFamily="49" charset="0"/>
+              <a:cs typeface="Courier New" panose="02070309020205020404" pitchFamily="49" charset="0"/>
+            </a:endParaRPr>
+          </a:p>
+          <a:p>
+            <a:r>
+              <a:rPr lang="fr-CA" sz="1200">
+                <a:solidFill>
+                  <a:schemeClr val="accent5">
+                    <a:lumMod val="75000"/>
+                  </a:schemeClr>
+                </a:solidFill>
+                <a:latin typeface="Courier New" panose="02070309020205020404" pitchFamily="49" charset="0"/>
+                <a:cs typeface="Courier New" panose="02070309020205020404" pitchFamily="49" charset="0"/>
+              </a:rPr>
+              <a:t># set machine</a:t>
             </a:r>
           </a:p>
           <a:p>
@@ -5829,7 +5898,27 @@
                 <a:latin typeface="Courier New" panose="02070309020205020404" pitchFamily="49" charset="0"/>
                 <a:cs typeface="Courier New" panose="02070309020205020404" pitchFamily="49" charset="0"/>
               </a:rPr>
-              <a:t>  JuliaCall::julia_library("EvoTrees")</a:t>
+              <a:t>mach = machine(tree_model, X, y)</a:t>
+            </a:r>
+          </a:p>
+          <a:p>
+            <a:endParaRPr lang="fr-CA" sz="1200">
+              <a:latin typeface="Courier New" panose="02070309020205020404" pitchFamily="49" charset="0"/>
+              <a:cs typeface="Courier New" panose="02070309020205020404" pitchFamily="49" charset="0"/>
+            </a:endParaRPr>
+          </a:p>
+          <a:p>
+            <a:r>
+              <a:rPr lang="fr-CA" sz="1200">
+                <a:solidFill>
+                  <a:schemeClr val="accent5">
+                    <a:lumMod val="75000"/>
+                  </a:schemeClr>
+                </a:solidFill>
+                <a:latin typeface="Courier New" panose="02070309020205020404" pitchFamily="49" charset="0"/>
+                <a:cs typeface="Courier New" panose="02070309020205020404" pitchFamily="49" charset="0"/>
+              </a:rPr>
+              <a:t># partition data</a:t>
             </a:r>
           </a:p>
           <a:p>
@@ -5838,49 +5927,56 @@
                 <a:latin typeface="Courier New" panose="02070309020205020404" pitchFamily="49" charset="0"/>
                 <a:cs typeface="Courier New" panose="02070309020205020404" pitchFamily="49" charset="0"/>
               </a:rPr>
-              <a:t>}</a:t>
-            </a:r>
-          </a:p>
-        </p:txBody>
-      </p:sp>
-      <p:sp>
-        <p:nvSpPr>
-          <p:cNvPr id="8" name="Rectangle 7">
-            <a:extLst>
-              <a:ext uri="{FF2B5EF4-FFF2-40B4-BE49-F238E27FC236}">
-                <a16:creationId xmlns:a16="http://schemas.microsoft.com/office/drawing/2014/main" id="{48F5EBE9-3560-41F4-9F5D-F58D3C431E2C}"/>
-              </a:ext>
-            </a:extLst>
-          </p:cNvPr>
-          <p:cNvSpPr/>
-          <p:nvPr/>
-        </p:nvSpPr>
-        <p:spPr>
-          <a:xfrm>
-            <a:off x="425451" y="4467519"/>
-            <a:ext cx="8187325" cy="1200329"/>
-          </a:xfrm>
-          <a:prstGeom prst="rect">
-            <a:avLst/>
-          </a:prstGeom>
-          <a:solidFill>
-            <a:schemeClr val="bg1">
-              <a:lumMod val="95000"/>
-            </a:schemeClr>
-          </a:solidFill>
-        </p:spPr>
-        <p:txBody>
-          <a:bodyPr wrap="square">
-            <a:spAutoFit/>
-          </a:bodyPr>
-          <a:lstStyle/>
+              <a:t>train, test = partition(eachindex(y), 0.7, shuffle=true); # 70:30 split</a:t>
+            </a:r>
+          </a:p>
+          <a:p>
+            <a:endParaRPr lang="fr-CA" sz="1200">
+              <a:latin typeface="Courier New" panose="02070309020205020404" pitchFamily="49" charset="0"/>
+              <a:cs typeface="Courier New" panose="02070309020205020404" pitchFamily="49" charset="0"/>
+            </a:endParaRPr>
+          </a:p>
+          <a:p>
+            <a:r>
+              <a:rPr lang="fr-CA" sz="1200">
+                <a:solidFill>
+                  <a:schemeClr val="accent5">
+                    <a:lumMod val="75000"/>
+                  </a:schemeClr>
+                </a:solidFill>
+                <a:latin typeface="Courier New" panose="02070309020205020404" pitchFamily="49" charset="0"/>
+                <a:cs typeface="Courier New" panose="02070309020205020404" pitchFamily="49" charset="0"/>
+              </a:rPr>
+              <a:t># fit data</a:t>
+            </a:r>
+          </a:p>
           <a:p>
             <a:r>
               <a:rPr lang="fr-CA" sz="1200">
                 <a:latin typeface="Courier New" panose="02070309020205020404" pitchFamily="49" charset="0"/>
                 <a:cs typeface="Courier New" panose="02070309020205020404" pitchFamily="49" charset="0"/>
               </a:rPr>
-              <a:t>evo_train &lt;- function(data_train, target_train, params=set_params(), ...) {</a:t>
+              <a:t>fit!(mach, rows=train, verbosity=1)</a:t>
+            </a:r>
+          </a:p>
+          <a:p>
+            <a:endParaRPr lang="fr-CA" sz="1200">
+              <a:latin typeface="Courier New" panose="02070309020205020404" pitchFamily="49" charset="0"/>
+              <a:cs typeface="Courier New" panose="02070309020205020404" pitchFamily="49" charset="0"/>
+            </a:endParaRPr>
+          </a:p>
+          <a:p>
+            <a:r>
+              <a:rPr lang="fr-CA" sz="1200">
+                <a:solidFill>
+                  <a:schemeClr val="accent5">
+                    <a:lumMod val="75000"/>
+                  </a:schemeClr>
+                </a:solidFill>
+                <a:latin typeface="Courier New" panose="02070309020205020404" pitchFamily="49" charset="0"/>
+                <a:cs typeface="Courier New" panose="02070309020205020404" pitchFamily="49" charset="0"/>
+              </a:rPr>
+              <a:t># continue training</a:t>
             </a:r>
           </a:p>
           <a:p>
@@ -5889,7 +5985,7 @@
                 <a:latin typeface="Courier New" panose="02070309020205020404" pitchFamily="49" charset="0"/>
                 <a:cs typeface="Courier New" panose="02070309020205020404" pitchFamily="49" charset="0"/>
               </a:rPr>
-              <a:t>  params &lt;- do.call(set_params, params)</a:t>
+              <a:t>mach.model.nrounds += 10</a:t>
             </a:r>
           </a:p>
           <a:p>
@@ -5898,7 +5994,27 @@
                 <a:latin typeface="Courier New" panose="02070309020205020404" pitchFamily="49" charset="0"/>
                 <a:cs typeface="Courier New" panose="02070309020205020404" pitchFamily="49" charset="0"/>
               </a:rPr>
-              <a:t>  model &lt;- JuliaCall::julia_call("fit_evotree", params, data_train, target_train, ..., 						   need_return = "Julia")</a:t>
+              <a:t>fit!(mach, rows=train, verbosity=1)</a:t>
+            </a:r>
+          </a:p>
+          <a:p>
+            <a:endParaRPr lang="fr-CA" sz="1200">
+              <a:latin typeface="Courier New" panose="02070309020205020404" pitchFamily="49" charset="0"/>
+              <a:cs typeface="Courier New" panose="02070309020205020404" pitchFamily="49" charset="0"/>
+            </a:endParaRPr>
+          </a:p>
+          <a:p>
+            <a:r>
+              <a:rPr lang="fr-CA" sz="1200">
+                <a:solidFill>
+                  <a:schemeClr val="accent5">
+                    <a:lumMod val="75000"/>
+                  </a:schemeClr>
+                </a:solidFill>
+                <a:latin typeface="Courier New" panose="02070309020205020404" pitchFamily="49" charset="0"/>
+                <a:cs typeface="Courier New" panose="02070309020205020404" pitchFamily="49" charset="0"/>
+              </a:rPr>
+              <a:t># predict on train data</a:t>
             </a:r>
           </a:p>
           <a:p>
@@ -5907,144 +6023,15 @@
                 <a:latin typeface="Courier New" panose="02070309020205020404" pitchFamily="49" charset="0"/>
                 <a:cs typeface="Courier New" panose="02070309020205020404" pitchFamily="49" charset="0"/>
               </a:rPr>
-              <a:t>  return(model)</a:t>
-            </a:r>
-          </a:p>
-          <a:p>
-            <a:r>
-              <a:rPr lang="fr-CA" sz="1200">
-                <a:latin typeface="Courier New" panose="02070309020205020404" pitchFamily="49" charset="0"/>
-                <a:cs typeface="Courier New" panose="02070309020205020404" pitchFamily="49" charset="0"/>
-              </a:rPr>
-              <a:t>}</a:t>
-            </a:r>
-          </a:p>
-        </p:txBody>
-      </p:sp>
-      <p:sp>
-        <p:nvSpPr>
-          <p:cNvPr id="9" name="TextBox 8">
-            <a:extLst>
-              <a:ext uri="{FF2B5EF4-FFF2-40B4-BE49-F238E27FC236}">
-                <a16:creationId xmlns:a16="http://schemas.microsoft.com/office/drawing/2014/main" id="{91D1F87B-0A34-4CFE-9D1C-B5E7412808E7}"/>
-              </a:ext>
-            </a:extLst>
-          </p:cNvPr>
-          <p:cNvSpPr txBox="1"/>
-          <p:nvPr/>
-        </p:nvSpPr>
-        <p:spPr>
-          <a:xfrm>
-            <a:off x="425451" y="2406937"/>
-            <a:ext cx="1681871" cy="276999"/>
-          </a:xfrm>
-          <a:prstGeom prst="rect">
-            <a:avLst/>
-          </a:prstGeom>
-          <a:noFill/>
-        </p:spPr>
-        <p:txBody>
-          <a:bodyPr wrap="none" rtlCol="0">
-            <a:spAutoFit/>
-          </a:bodyPr>
-          <a:lstStyle/>
-          <a:p>
-            <a:r>
-              <a:rPr lang="en-CA" sz="1200">
-                <a:latin typeface="Montserrat" panose="00000500000000000000" pitchFamily="50" charset="0"/>
-              </a:rPr>
-              <a:t>Initialization (zzz.R)</a:t>
-            </a:r>
-            <a:endParaRPr lang="fr-CA" sz="1200">
-              <a:latin typeface="Montserrat" panose="00000500000000000000" pitchFamily="50" charset="0"/>
-            </a:endParaRPr>
-          </a:p>
-        </p:txBody>
-      </p:sp>
-      <p:sp>
-        <p:nvSpPr>
-          <p:cNvPr id="14" name="TextBox 13">
-            <a:extLst>
-              <a:ext uri="{FF2B5EF4-FFF2-40B4-BE49-F238E27FC236}">
-                <a16:creationId xmlns:a16="http://schemas.microsoft.com/office/drawing/2014/main" id="{77C8A68D-88A3-4038-AB7E-824F8B478878}"/>
-              </a:ext>
-            </a:extLst>
-          </p:cNvPr>
-          <p:cNvSpPr txBox="1"/>
-          <p:nvPr/>
-        </p:nvSpPr>
-        <p:spPr>
-          <a:xfrm>
-            <a:off x="425451" y="4098184"/>
-            <a:ext cx="2776722" cy="276999"/>
-          </a:xfrm>
-          <a:prstGeom prst="rect">
-            <a:avLst/>
-          </a:prstGeom>
-          <a:noFill/>
-        </p:spPr>
-        <p:txBody>
-          <a:bodyPr wrap="none" rtlCol="0">
-            <a:spAutoFit/>
-          </a:bodyPr>
-          <a:lstStyle/>
-          <a:p>
-            <a:r>
-              <a:rPr lang="en-CA" sz="1200">
-                <a:latin typeface="Montserrat" panose="00000500000000000000" pitchFamily="50" charset="0"/>
-              </a:rPr>
-              <a:t>Wrap the fit_evotree core routine:</a:t>
-            </a:r>
-            <a:endParaRPr lang="fr-CA" sz="1200">
-              <a:latin typeface="Montserrat" panose="00000500000000000000" pitchFamily="50" charset="0"/>
-            </a:endParaRPr>
-          </a:p>
-        </p:txBody>
-      </p:sp>
-      <p:sp>
-        <p:nvSpPr>
-          <p:cNvPr id="10" name="TextBox 9">
-            <a:extLst>
-              <a:ext uri="{FF2B5EF4-FFF2-40B4-BE49-F238E27FC236}">
-                <a16:creationId xmlns:a16="http://schemas.microsoft.com/office/drawing/2014/main" id="{52DE749F-76F4-4931-AD0A-7B824A98D56F}"/>
-              </a:ext>
-            </a:extLst>
-          </p:cNvPr>
-          <p:cNvSpPr txBox="1"/>
-          <p:nvPr/>
-        </p:nvSpPr>
-        <p:spPr>
-          <a:xfrm>
-            <a:off x="425451" y="1785257"/>
-            <a:ext cx="8293091" cy="307777"/>
-          </a:xfrm>
-          <a:prstGeom prst="rect">
-            <a:avLst/>
-          </a:prstGeom>
-          <a:noFill/>
-        </p:spPr>
-        <p:txBody>
-          <a:bodyPr wrap="square" rtlCol="0">
-            <a:spAutoFit/>
-          </a:bodyPr>
-          <a:lstStyle/>
-          <a:p>
-            <a:r>
-              <a:rPr lang="en-CA" sz="1400">
-                <a:latin typeface="Montserrat ExtraLight" panose="00000300000000000000" pitchFamily="50" charset="0"/>
-              </a:rPr>
-              <a:t>Thanks to JuliaCall, wrapping a Julia library into a R package requires very minimal efforts.</a:t>
-            </a:r>
-            <a:endParaRPr lang="fr-CA" sz="1400">
-              <a:latin typeface="Montserrat ExtraLight" panose="00000300000000000000" pitchFamily="50" charset="0"/>
-            </a:endParaRPr>
+              <a:t>pred_train = predict(mach, selectrows(X, train))</a:t>
+            </a:r>
           </a:p>
         </p:txBody>
       </p:sp>
     </p:spTree>
     <p:extLst>
       <p:ext uri="{BB962C8B-B14F-4D97-AF65-F5344CB8AC3E}">
-        <p14:creationId xmlns:p14="http://schemas.microsoft.com/office/powerpoint/2010/main" val="769049177"/>
+        <p14:creationId xmlns:p14="http://schemas.microsoft.com/office/powerpoint/2010/main" val="1358416001"/>
       </p:ext>
     </p:extLst>
   </p:cSld>
@@ -6110,7 +6097,7 @@
                 <a:latin typeface="Montserrat ExtraLight" panose="00000300000000000000" pitchFamily="50" charset="0"/>
                 <a:ea typeface="Yu Gothic UI Light" panose="020B0300000000000000" pitchFamily="34" charset="-128"/>
               </a:rPr>
-              <a:t>MLJ Integration</a:t>
+              <a:t>Future Directions</a:t>
             </a:r>
             <a:endParaRPr lang="en-CA" sz="3200" dirty="0">
               <a:solidFill>
@@ -6329,10 +6316,10 @@
       </p:pic>
       <p:sp>
         <p:nvSpPr>
-          <p:cNvPr id="10" name="TextBox 9">
+          <p:cNvPr id="4" name="TextBox 3">
             <a:extLst>
               <a:ext uri="{FF2B5EF4-FFF2-40B4-BE49-F238E27FC236}">
-                <a16:creationId xmlns:a16="http://schemas.microsoft.com/office/drawing/2014/main" id="{52DE749F-76F4-4931-AD0A-7B824A98D56F}"/>
+                <a16:creationId xmlns:a16="http://schemas.microsoft.com/office/drawing/2014/main" id="{CF0ECED4-90EF-4564-9B86-C840A675A4AB}"/>
               </a:ext>
             </a:extLst>
           </p:cNvPr>
@@ -6341,8 +6328,8 @@
         </p:nvSpPr>
         <p:spPr>
           <a:xfrm>
-            <a:off x="425454" y="1784171"/>
-            <a:ext cx="8293091" cy="523220"/>
+            <a:off x="425452" y="1925547"/>
+            <a:ext cx="7559040" cy="1674754"/>
           </a:xfrm>
           <a:prstGeom prst="rect">
             <a:avLst/>
@@ -6355,238 +6342,81 @@
           </a:bodyPr>
           <a:lstStyle/>
           <a:p>
+            <a:pPr marL="285750" indent="-285750">
+              <a:lnSpc>
+                <a:spcPct val="150000"/>
+              </a:lnSpc>
+              <a:buFontTx/>
+              <a:buChar char="-"/>
+            </a:pPr>
             <a:r>
               <a:rPr lang="en-CA" sz="1400">
                 <a:latin typeface="Montserrat ExtraLight" panose="00000300000000000000" pitchFamily="50" charset="0"/>
               </a:rPr>
-              <a:t>MLJModelInterface makes easy the adaption of an existing ML library to fit into the MLJ ecosystem. </a:t>
+              <a:t>GPU support</a:t>
+            </a:r>
+          </a:p>
+          <a:p>
+            <a:pPr marL="285750" indent="-285750">
+              <a:lnSpc>
+                <a:spcPct val="150000"/>
+              </a:lnSpc>
+              <a:buFontTx/>
+              <a:buChar char="-"/>
+            </a:pPr>
+            <a:r>
+              <a:rPr lang="en-CA" sz="1400">
+                <a:latin typeface="Montserrat ExtraLight" panose="00000300000000000000" pitchFamily="50" charset="0"/>
+              </a:rPr>
+              <a:t>Support for categorical and sparse features</a:t>
             </a:r>
             <a:endParaRPr lang="fr-CA" sz="1400">
               <a:latin typeface="Montserrat ExtraLight" panose="00000300000000000000" pitchFamily="50" charset="0"/>
             </a:endParaRPr>
           </a:p>
-        </p:txBody>
-      </p:sp>
-      <p:sp>
-        <p:nvSpPr>
-          <p:cNvPr id="4" name="Rectangle 3">
-            <a:extLst>
-              <a:ext uri="{FF2B5EF4-FFF2-40B4-BE49-F238E27FC236}">
-                <a16:creationId xmlns:a16="http://schemas.microsoft.com/office/drawing/2014/main" id="{F6AB1BDC-6119-4440-96C5-42B8A328DE56}"/>
-              </a:ext>
-            </a:extLst>
-          </p:cNvPr>
-          <p:cNvSpPr/>
-          <p:nvPr/>
-        </p:nvSpPr>
-        <p:spPr>
-          <a:xfrm>
-            <a:off x="425454" y="2541814"/>
-            <a:ext cx="8293091" cy="3416320"/>
-          </a:xfrm>
-          <a:prstGeom prst="rect">
-            <a:avLst/>
-          </a:prstGeom>
-          <a:solidFill>
-            <a:schemeClr val="bg1">
-              <a:lumMod val="95000"/>
-            </a:schemeClr>
-          </a:solidFill>
-        </p:spPr>
-        <p:txBody>
-          <a:bodyPr wrap="square">
-            <a:spAutoFit/>
-          </a:bodyPr>
-          <a:lstStyle/>
-          <a:p>
-            <a:r>
-              <a:rPr lang="fr-CA" sz="1200">
-                <a:solidFill>
-                  <a:schemeClr val="accent5">
-                    <a:lumMod val="75000"/>
-                  </a:schemeClr>
-                </a:solidFill>
-                <a:latin typeface="Courier New" panose="02070309020205020404" pitchFamily="49" charset="0"/>
-                <a:cs typeface="Courier New" panose="02070309020205020404" pitchFamily="49" charset="0"/>
-              </a:rPr>
-              <a:t># configure model</a:t>
-            </a:r>
-          </a:p>
-          <a:p>
-            <a:r>
-              <a:rPr lang="fr-CA" sz="1200">
-                <a:latin typeface="Courier New" panose="02070309020205020404" pitchFamily="49" charset="0"/>
-                <a:cs typeface="Courier New" panose="02070309020205020404" pitchFamily="49" charset="0"/>
-              </a:rPr>
-              <a:t>tree_model = EvoTreeRegressor(loss=:linear, max_depth=5, </a:t>
-            </a:r>
-            <a:r>
-              <a:rPr lang="el-GR" sz="1200">
-                <a:latin typeface="Courier New" panose="02070309020205020404" pitchFamily="49" charset="0"/>
-                <a:cs typeface="Courier New" panose="02070309020205020404" pitchFamily="49" charset="0"/>
-              </a:rPr>
-              <a:t>η=0.05, </a:t>
-            </a:r>
-            <a:r>
-              <a:rPr lang="fr-CA" sz="1200">
-                <a:latin typeface="Courier New" panose="02070309020205020404" pitchFamily="49" charset="0"/>
-                <a:cs typeface="Courier New" panose="02070309020205020404" pitchFamily="49" charset="0"/>
-              </a:rPr>
-              <a:t>nrounds=10)</a:t>
-            </a:r>
-          </a:p>
-          <a:p>
-            <a:endParaRPr lang="fr-CA" sz="1200">
-              <a:latin typeface="Courier New" panose="02070309020205020404" pitchFamily="49" charset="0"/>
-              <a:cs typeface="Courier New" panose="02070309020205020404" pitchFamily="49" charset="0"/>
-            </a:endParaRPr>
-          </a:p>
-          <a:p>
-            <a:r>
-              <a:rPr lang="fr-CA" sz="1200">
-                <a:solidFill>
-                  <a:schemeClr val="accent5">
-                    <a:lumMod val="75000"/>
-                  </a:schemeClr>
-                </a:solidFill>
-                <a:latin typeface="Courier New" panose="02070309020205020404" pitchFamily="49" charset="0"/>
-                <a:cs typeface="Courier New" panose="02070309020205020404" pitchFamily="49" charset="0"/>
-              </a:rPr>
-              <a:t># set machine</a:t>
-            </a:r>
-          </a:p>
-          <a:p>
-            <a:r>
-              <a:rPr lang="fr-CA" sz="1200">
-                <a:latin typeface="Courier New" panose="02070309020205020404" pitchFamily="49" charset="0"/>
-                <a:cs typeface="Courier New" panose="02070309020205020404" pitchFamily="49" charset="0"/>
-              </a:rPr>
-              <a:t>mach = machine(tree_model, X, y)</a:t>
-            </a:r>
-          </a:p>
-          <a:p>
-            <a:endParaRPr lang="fr-CA" sz="1200">
-              <a:latin typeface="Courier New" panose="02070309020205020404" pitchFamily="49" charset="0"/>
-              <a:cs typeface="Courier New" panose="02070309020205020404" pitchFamily="49" charset="0"/>
-            </a:endParaRPr>
-          </a:p>
-          <a:p>
-            <a:r>
-              <a:rPr lang="fr-CA" sz="1200">
-                <a:solidFill>
-                  <a:schemeClr val="accent5">
-                    <a:lumMod val="75000"/>
-                  </a:schemeClr>
-                </a:solidFill>
-                <a:latin typeface="Courier New" panose="02070309020205020404" pitchFamily="49" charset="0"/>
-                <a:cs typeface="Courier New" panose="02070309020205020404" pitchFamily="49" charset="0"/>
-              </a:rPr>
-              <a:t># partition data</a:t>
-            </a:r>
-          </a:p>
-          <a:p>
-            <a:r>
-              <a:rPr lang="fr-CA" sz="1200">
-                <a:latin typeface="Courier New" panose="02070309020205020404" pitchFamily="49" charset="0"/>
-                <a:cs typeface="Courier New" panose="02070309020205020404" pitchFamily="49" charset="0"/>
-              </a:rPr>
-              <a:t>train, test = partition(eachindex(y), 0.7, shuffle=true); # 70:30 split</a:t>
-            </a:r>
-          </a:p>
-          <a:p>
-            <a:endParaRPr lang="fr-CA" sz="1200">
-              <a:latin typeface="Courier New" panose="02070309020205020404" pitchFamily="49" charset="0"/>
-              <a:cs typeface="Courier New" panose="02070309020205020404" pitchFamily="49" charset="0"/>
-            </a:endParaRPr>
-          </a:p>
-          <a:p>
-            <a:r>
-              <a:rPr lang="fr-CA" sz="1200">
-                <a:solidFill>
-                  <a:schemeClr val="accent5">
-                    <a:lumMod val="75000"/>
-                  </a:schemeClr>
-                </a:solidFill>
-                <a:latin typeface="Courier New" panose="02070309020205020404" pitchFamily="49" charset="0"/>
-                <a:cs typeface="Courier New" panose="02070309020205020404" pitchFamily="49" charset="0"/>
-              </a:rPr>
-              <a:t># fit data</a:t>
-            </a:r>
-          </a:p>
-          <a:p>
-            <a:r>
-              <a:rPr lang="fr-CA" sz="1200">
-                <a:latin typeface="Courier New" panose="02070309020205020404" pitchFamily="49" charset="0"/>
-                <a:cs typeface="Courier New" panose="02070309020205020404" pitchFamily="49" charset="0"/>
-              </a:rPr>
-              <a:t>fit!(mach, rows=train, verbosity=1)</a:t>
-            </a:r>
-          </a:p>
-          <a:p>
-            <a:endParaRPr lang="fr-CA" sz="1200">
-              <a:latin typeface="Courier New" panose="02070309020205020404" pitchFamily="49" charset="0"/>
-              <a:cs typeface="Courier New" panose="02070309020205020404" pitchFamily="49" charset="0"/>
-            </a:endParaRPr>
-          </a:p>
-          <a:p>
-            <a:r>
-              <a:rPr lang="fr-CA" sz="1200">
-                <a:solidFill>
-                  <a:schemeClr val="accent5">
-                    <a:lumMod val="75000"/>
-                  </a:schemeClr>
-                </a:solidFill>
-                <a:latin typeface="Courier New" panose="02070309020205020404" pitchFamily="49" charset="0"/>
-                <a:cs typeface="Courier New" panose="02070309020205020404" pitchFamily="49" charset="0"/>
-              </a:rPr>
-              <a:t># continue training</a:t>
-            </a:r>
-          </a:p>
-          <a:p>
-            <a:r>
-              <a:rPr lang="fr-CA" sz="1200">
-                <a:latin typeface="Courier New" panose="02070309020205020404" pitchFamily="49" charset="0"/>
-                <a:cs typeface="Courier New" panose="02070309020205020404" pitchFamily="49" charset="0"/>
-              </a:rPr>
-              <a:t>mach.model.nrounds += 10</a:t>
-            </a:r>
-          </a:p>
-          <a:p>
-            <a:r>
-              <a:rPr lang="fr-CA" sz="1200">
-                <a:latin typeface="Courier New" panose="02070309020205020404" pitchFamily="49" charset="0"/>
-                <a:cs typeface="Courier New" panose="02070309020205020404" pitchFamily="49" charset="0"/>
-              </a:rPr>
-              <a:t>fit!(mach, rows=train, verbosity=1)</a:t>
-            </a:r>
-          </a:p>
-          <a:p>
-            <a:endParaRPr lang="fr-CA" sz="1200">
-              <a:latin typeface="Courier New" panose="02070309020205020404" pitchFamily="49" charset="0"/>
-              <a:cs typeface="Courier New" panose="02070309020205020404" pitchFamily="49" charset="0"/>
-            </a:endParaRPr>
-          </a:p>
-          <a:p>
-            <a:r>
-              <a:rPr lang="fr-CA" sz="1200">
-                <a:solidFill>
-                  <a:schemeClr val="accent5">
-                    <a:lumMod val="75000"/>
-                  </a:schemeClr>
-                </a:solidFill>
-                <a:latin typeface="Courier New" panose="02070309020205020404" pitchFamily="49" charset="0"/>
-                <a:cs typeface="Courier New" panose="02070309020205020404" pitchFamily="49" charset="0"/>
-              </a:rPr>
-              <a:t># predict on train data</a:t>
-            </a:r>
-          </a:p>
-          <a:p>
-            <a:r>
-              <a:rPr lang="fr-CA" sz="1200">
-                <a:latin typeface="Courier New" panose="02070309020205020404" pitchFamily="49" charset="0"/>
-                <a:cs typeface="Courier New" panose="02070309020205020404" pitchFamily="49" charset="0"/>
-              </a:rPr>
-              <a:t>pred_train = predict(mach, selectrows(X, train))</a:t>
+          <a:p>
+            <a:pPr marL="285750" indent="-285750">
+              <a:lnSpc>
+                <a:spcPct val="150000"/>
+              </a:lnSpc>
+              <a:buFontTx/>
+              <a:buChar char="-"/>
+            </a:pPr>
+            <a:r>
+              <a:rPr lang="en-CA" sz="1400">
+                <a:latin typeface="Montserrat ExtraLight" panose="00000300000000000000" pitchFamily="50" charset="0"/>
+              </a:rPr>
+              <a:t>More general purpose function definition</a:t>
+            </a:r>
+          </a:p>
+          <a:p>
+            <a:pPr marL="742950" lvl="1" indent="-285750">
+              <a:lnSpc>
+                <a:spcPct val="150000"/>
+              </a:lnSpc>
+              <a:buFontTx/>
+              <a:buChar char="-"/>
+            </a:pPr>
+            <a:r>
+              <a:rPr lang="en-CA" sz="1400">
+                <a:latin typeface="Montserrat ExtraLight" panose="00000300000000000000" pitchFamily="50" charset="0"/>
+              </a:rPr>
+              <a:t>Only provides the loss function and get gradients through Zygote.jl</a:t>
+            </a:r>
+          </a:p>
+          <a:p>
+            <a:pPr marL="742950" lvl="1" indent="-285750">
+              <a:lnSpc>
+                <a:spcPct val="150000"/>
+              </a:lnSpc>
+              <a:buFontTx/>
+              <a:buChar char="-"/>
+            </a:pPr>
+            <a:r>
+              <a:rPr lang="en-CA" sz="1400">
+                <a:latin typeface="Montserrat ExtraLight" panose="00000300000000000000" pitchFamily="50" charset="0"/>
+              </a:rPr>
+              <a:t>Support multi-parameters distributions other than Gaussian</a:t>
             </a:r>
           </a:p>
         </p:txBody>
@@ -6594,7 +6424,7 @@
     </p:spTree>
     <p:extLst>
       <p:ext uri="{BB962C8B-B14F-4D97-AF65-F5344CB8AC3E}">
-        <p14:creationId xmlns:p14="http://schemas.microsoft.com/office/powerpoint/2010/main" val="1358416001"/>
+        <p14:creationId xmlns:p14="http://schemas.microsoft.com/office/powerpoint/2010/main" val="228263214"/>
       </p:ext>
     </p:extLst>
   </p:cSld>
@@ -6604,7 +6434,7 @@
 </p:sld>
 </file>
 
-<file path=ppt/slides/slide12.xml><?xml version="1.0" encoding="utf-8"?>
+<file path=ppt/slides/slide2.xml><?xml version="1.0" encoding="utf-8"?>
 <p:sld xmlns:a="http://schemas.openxmlformats.org/drawingml/2006/main" xmlns:r="http://schemas.openxmlformats.org/officeDocument/2006/relationships" xmlns:p="http://schemas.openxmlformats.org/presentationml/2006/main">
   <p:cSld>
     <p:spTree>
@@ -6660,7 +6490,7 @@
                 <a:latin typeface="Montserrat ExtraLight" panose="00000300000000000000" pitchFamily="50" charset="0"/>
                 <a:ea typeface="Yu Gothic UI Light" panose="020B0300000000000000" pitchFamily="34" charset="-128"/>
               </a:rPr>
-              <a:t>Future Directions</a:t>
+              <a:t>Why a Julia Implementation?</a:t>
             </a:r>
             <a:endParaRPr lang="en-CA" sz="3200" dirty="0">
               <a:solidFill>
@@ -6823,1022 +6653,7 @@
                 </a:solidFill>
                 <a:latin typeface="Montserrat Medium" panose="00000600000000000000" pitchFamily="2" charset="0"/>
               </a:rPr>
-              <a:t>12</a:t>
-            </a:fld>
-            <a:endParaRPr lang="en-CA" sz="1000" dirty="0">
-              <a:solidFill>
-                <a:schemeClr val="tx1">
-                  <a:lumMod val="65000"/>
-                  <a:lumOff val="35000"/>
-                </a:schemeClr>
-              </a:solidFill>
-              <a:latin typeface="Montserrat Medium" panose="00000600000000000000" pitchFamily="2" charset="0"/>
-            </a:endParaRPr>
-          </a:p>
-        </p:txBody>
-      </p:sp>
-      <p:pic>
-        <p:nvPicPr>
-          <p:cNvPr id="16" name="Picture 15">
-            <a:extLst>
-              <a:ext uri="{FF2B5EF4-FFF2-40B4-BE49-F238E27FC236}">
-                <a16:creationId xmlns:a16="http://schemas.microsoft.com/office/drawing/2014/main" id="{8F4F840C-C6E5-4988-A139-292BDBC5B012}"/>
-              </a:ext>
-            </a:extLst>
-          </p:cNvPr>
-          <p:cNvPicPr>
-            <a:picLocks noChangeAspect="1"/>
-          </p:cNvPicPr>
-          <p:nvPr>
-            <p:custDataLst>
-              <p:tags r:id="rId5"/>
-            </p:custDataLst>
-          </p:nvPr>
-        </p:nvPicPr>
-        <p:blipFill>
-          <a:blip r:embed="rId8">
-            <a:extLst>
-              <a:ext uri="{28A0092B-C50C-407E-A947-70E740481C1C}">
-                <a14:useLocalDpi xmlns:a14="http://schemas.microsoft.com/office/drawing/2010/main" val="0"/>
-              </a:ext>
-            </a:extLst>
-          </a:blip>
-          <a:stretch>
-            <a:fillRect/>
-          </a:stretch>
-        </p:blipFill>
-        <p:spPr>
-          <a:xfrm>
-            <a:off x="2573866" y="6538913"/>
-            <a:ext cx="1506045" cy="164931"/>
-          </a:xfrm>
-          <a:prstGeom prst="rect">
-            <a:avLst/>
-          </a:prstGeom>
-        </p:spPr>
-      </p:pic>
-      <p:sp>
-        <p:nvSpPr>
-          <p:cNvPr id="4" name="TextBox 3">
-            <a:extLst>
-              <a:ext uri="{FF2B5EF4-FFF2-40B4-BE49-F238E27FC236}">
-                <a16:creationId xmlns:a16="http://schemas.microsoft.com/office/drawing/2014/main" id="{CF0ECED4-90EF-4564-9B86-C840A675A4AB}"/>
-              </a:ext>
-            </a:extLst>
-          </p:cNvPr>
-          <p:cNvSpPr txBox="1"/>
-          <p:nvPr/>
-        </p:nvSpPr>
-        <p:spPr>
-          <a:xfrm>
-            <a:off x="425452" y="1925547"/>
-            <a:ext cx="7559040" cy="1674754"/>
-          </a:xfrm>
-          <a:prstGeom prst="rect">
-            <a:avLst/>
-          </a:prstGeom>
-          <a:noFill/>
-        </p:spPr>
-        <p:txBody>
-          <a:bodyPr wrap="square" rtlCol="0">
-            <a:spAutoFit/>
-          </a:bodyPr>
-          <a:lstStyle/>
-          <a:p>
-            <a:pPr marL="285750" indent="-285750">
-              <a:lnSpc>
-                <a:spcPct val="150000"/>
-              </a:lnSpc>
-              <a:buFontTx/>
-              <a:buChar char="-"/>
-            </a:pPr>
-            <a:r>
-              <a:rPr lang="en-CA" sz="1400">
-                <a:latin typeface="Montserrat ExtraLight" panose="00000300000000000000" pitchFamily="50" charset="0"/>
-              </a:rPr>
-              <a:t>GPU support</a:t>
-            </a:r>
-          </a:p>
-          <a:p>
-            <a:pPr marL="285750" indent="-285750">
-              <a:lnSpc>
-                <a:spcPct val="150000"/>
-              </a:lnSpc>
-              <a:buFontTx/>
-              <a:buChar char="-"/>
-            </a:pPr>
-            <a:r>
-              <a:rPr lang="en-CA" sz="1400">
-                <a:latin typeface="Montserrat ExtraLight" panose="00000300000000000000" pitchFamily="50" charset="0"/>
-              </a:rPr>
-              <a:t>Support for categorical and sparse features</a:t>
-            </a:r>
-            <a:endParaRPr lang="fr-CA" sz="1400">
-              <a:latin typeface="Montserrat ExtraLight" panose="00000300000000000000" pitchFamily="50" charset="0"/>
-            </a:endParaRPr>
-          </a:p>
-          <a:p>
-            <a:pPr marL="285750" indent="-285750">
-              <a:lnSpc>
-                <a:spcPct val="150000"/>
-              </a:lnSpc>
-              <a:buFontTx/>
-              <a:buChar char="-"/>
-            </a:pPr>
-            <a:r>
-              <a:rPr lang="en-CA" sz="1400">
-                <a:latin typeface="Montserrat ExtraLight" panose="00000300000000000000" pitchFamily="50" charset="0"/>
-              </a:rPr>
-              <a:t>More general purpose function definition</a:t>
-            </a:r>
-          </a:p>
-          <a:p>
-            <a:pPr marL="742950" lvl="1" indent="-285750">
-              <a:lnSpc>
-                <a:spcPct val="150000"/>
-              </a:lnSpc>
-              <a:buFontTx/>
-              <a:buChar char="-"/>
-            </a:pPr>
-            <a:r>
-              <a:rPr lang="en-CA" sz="1400">
-                <a:latin typeface="Montserrat ExtraLight" panose="00000300000000000000" pitchFamily="50" charset="0"/>
-              </a:rPr>
-              <a:t>Only provides the loss function and get gradients through Zygote.jl</a:t>
-            </a:r>
-          </a:p>
-          <a:p>
-            <a:pPr marL="742950" lvl="1" indent="-285750">
-              <a:lnSpc>
-                <a:spcPct val="150000"/>
-              </a:lnSpc>
-              <a:buFontTx/>
-              <a:buChar char="-"/>
-            </a:pPr>
-            <a:r>
-              <a:rPr lang="en-CA" sz="1400">
-                <a:latin typeface="Montserrat ExtraLight" panose="00000300000000000000" pitchFamily="50" charset="0"/>
-              </a:rPr>
-              <a:t>Support multi-parameters distributions other than Gaussian</a:t>
-            </a:r>
-          </a:p>
-        </p:txBody>
-      </p:sp>
-    </p:spTree>
-    <p:extLst>
-      <p:ext uri="{BB962C8B-B14F-4D97-AF65-F5344CB8AC3E}">
-        <p14:creationId xmlns:p14="http://schemas.microsoft.com/office/powerpoint/2010/main" val="228263214"/>
-      </p:ext>
-    </p:extLst>
-  </p:cSld>
-  <p:clrMapOvr>
-    <a:masterClrMapping/>
-  </p:clrMapOvr>
-</p:sld>
-</file>
-
-<file path=ppt/slides/slide2.xml><?xml version="1.0" encoding="utf-8"?>
-<p:sld xmlns:a="http://schemas.openxmlformats.org/drawingml/2006/main" xmlns:r="http://schemas.openxmlformats.org/officeDocument/2006/relationships" xmlns:p="http://schemas.openxmlformats.org/presentationml/2006/main">
-  <p:cSld>
-    <p:spTree>
-      <p:nvGrpSpPr>
-        <p:cNvPr id="1" name=""/>
-        <p:cNvGrpSpPr/>
-        <p:nvPr/>
-      </p:nvGrpSpPr>
-      <p:grpSpPr>
-        <a:xfrm>
-          <a:off x="0" y="0"/>
-          <a:ext cx="0" cy="0"/>
-          <a:chOff x="0" y="0"/>
-          <a:chExt cx="0" cy="0"/>
-        </a:xfrm>
-      </p:grpSpPr>
-      <p:sp>
-        <p:nvSpPr>
-          <p:cNvPr id="2" name="Title 1">
-            <a:extLst>
-              <a:ext uri="{FF2B5EF4-FFF2-40B4-BE49-F238E27FC236}">
-                <a16:creationId xmlns:a16="http://schemas.microsoft.com/office/drawing/2014/main" id="{1ACB09F9-AEBB-4A2B-AA28-0208614D748F}"/>
-              </a:ext>
-            </a:extLst>
-          </p:cNvPr>
-          <p:cNvSpPr>
-            <a:spLocks noGrp="1"/>
-          </p:cNvSpPr>
-          <p:nvPr>
-            <p:ph type="title"/>
-            <p:custDataLst>
-              <p:tags r:id="rId1"/>
-            </p:custDataLst>
-          </p:nvPr>
-        </p:nvSpPr>
-        <p:spPr>
-          <a:xfrm>
-            <a:off x="314325" y="188537"/>
-            <a:ext cx="8404223" cy="1115654"/>
-          </a:xfrm>
-        </p:spPr>
-        <p:txBody>
-          <a:bodyPr>
-            <a:normAutofit/>
-          </a:bodyPr>
-          <a:lstStyle/>
-          <a:p>
-            <a:r>
-              <a:rPr lang="en-CA" sz="3200">
-                <a:solidFill>
-                  <a:srgbClr val="033572"/>
-                </a:solidFill>
-                <a:latin typeface="Montserrat ExtraLight" panose="00000300000000000000" pitchFamily="50" charset="0"/>
-                <a:ea typeface="Yu Gothic UI Light" panose="020B0300000000000000" pitchFamily="34" charset="-128"/>
-              </a:rPr>
-              <a:t>EvoTrees.jl</a:t>
-            </a:r>
-            <a:endParaRPr lang="en-CA" sz="3200" dirty="0">
-              <a:solidFill>
-                <a:srgbClr val="033572"/>
-              </a:solidFill>
-              <a:latin typeface="Montserrat ExtraLight" panose="00000300000000000000" pitchFamily="50" charset="0"/>
-              <a:ea typeface="Yu Gothic UI Light" panose="020B0300000000000000" pitchFamily="34" charset="-128"/>
-            </a:endParaRPr>
-          </a:p>
-        </p:txBody>
-      </p:sp>
-      <p:sp>
-        <p:nvSpPr>
-          <p:cNvPr id="32" name="Rectangle: Single Corner Snipped 31">
-            <a:extLst>
-              <a:ext uri="{FF2B5EF4-FFF2-40B4-BE49-F238E27FC236}">
-                <a16:creationId xmlns:a16="http://schemas.microsoft.com/office/drawing/2014/main" id="{D40DB3D4-D8CE-4C73-86B3-C8C8851414AB}"/>
-              </a:ext>
-            </a:extLst>
-          </p:cNvPr>
-          <p:cNvSpPr/>
-          <p:nvPr>
-            <p:custDataLst>
-              <p:tags r:id="rId2"/>
-            </p:custDataLst>
-          </p:nvPr>
-        </p:nvSpPr>
-        <p:spPr>
-          <a:xfrm>
-            <a:off x="425452" y="1256427"/>
-            <a:ext cx="2131480" cy="97815"/>
-          </a:xfrm>
-          <a:prstGeom prst="snip1Rect">
-            <a:avLst/>
-          </a:prstGeom>
-          <a:solidFill>
-            <a:srgbClr val="033572"/>
-          </a:solidFill>
-          <a:ln>
-            <a:noFill/>
-          </a:ln>
-        </p:spPr>
-        <p:style>
-          <a:lnRef idx="2">
-            <a:schemeClr val="accent1">
-              <a:shade val="50000"/>
-            </a:schemeClr>
-          </a:lnRef>
-          <a:fillRef idx="1">
-            <a:schemeClr val="accent1"/>
-          </a:fillRef>
-          <a:effectRef idx="0">
-            <a:schemeClr val="accent1"/>
-          </a:effectRef>
-          <a:fontRef idx="minor">
-            <a:schemeClr val="lt1"/>
-          </a:fontRef>
-        </p:style>
-        <p:txBody>
-          <a:bodyPr rtlCol="0" anchor="ctr"/>
-          <a:lstStyle/>
-          <a:p>
-            <a:pPr algn="ctr"/>
-            <a:endParaRPr lang="en-CA"/>
-          </a:p>
-        </p:txBody>
-      </p:sp>
-      <p:sp>
-        <p:nvSpPr>
-          <p:cNvPr id="34" name="Rectangle: Diagonal Corners Snipped 33">
-            <a:extLst>
-              <a:ext uri="{FF2B5EF4-FFF2-40B4-BE49-F238E27FC236}">
-                <a16:creationId xmlns:a16="http://schemas.microsoft.com/office/drawing/2014/main" id="{0EDCC121-8CEE-4796-B537-5AD521688016}"/>
-              </a:ext>
-            </a:extLst>
-          </p:cNvPr>
-          <p:cNvSpPr/>
-          <p:nvPr>
-            <p:custDataLst>
-              <p:tags r:id="rId3"/>
-            </p:custDataLst>
-          </p:nvPr>
-        </p:nvSpPr>
-        <p:spPr>
-          <a:xfrm rot="10800000">
-            <a:off x="2556926" y="6393092"/>
-            <a:ext cx="6161617" cy="45719"/>
-          </a:xfrm>
-          <a:prstGeom prst="snip2DiagRect">
-            <a:avLst/>
-          </a:prstGeom>
-          <a:solidFill>
-            <a:srgbClr val="033572"/>
-          </a:solidFill>
-          <a:ln>
-            <a:noFill/>
-          </a:ln>
-        </p:spPr>
-        <p:style>
-          <a:lnRef idx="2">
-            <a:schemeClr val="accent1">
-              <a:shade val="50000"/>
-            </a:schemeClr>
-          </a:lnRef>
-          <a:fillRef idx="1">
-            <a:schemeClr val="accent1"/>
-          </a:fillRef>
-          <a:effectRef idx="0">
-            <a:schemeClr val="accent1"/>
-          </a:effectRef>
-          <a:fontRef idx="minor">
-            <a:schemeClr val="lt1"/>
-          </a:fontRef>
-        </p:style>
-        <p:txBody>
-          <a:bodyPr rtlCol="0" anchor="ctr"/>
-          <a:lstStyle/>
-          <a:p>
-            <a:pPr algn="ctr"/>
-            <a:endParaRPr lang="en-CA"/>
-          </a:p>
-        </p:txBody>
-      </p:sp>
-      <p:sp>
-        <p:nvSpPr>
-          <p:cNvPr id="37" name="Slide Number Placeholder 36">
-            <a:extLst>
-              <a:ext uri="{FF2B5EF4-FFF2-40B4-BE49-F238E27FC236}">
-                <a16:creationId xmlns:a16="http://schemas.microsoft.com/office/drawing/2014/main" id="{3FAEF380-641A-4A55-B1BC-97733D15A88A}"/>
-              </a:ext>
-            </a:extLst>
-          </p:cNvPr>
-          <p:cNvSpPr>
-            <a:spLocks noGrp="1"/>
-          </p:cNvSpPr>
-          <p:nvPr>
-            <p:ph type="sldNum" sz="quarter" idx="12"/>
-            <p:custDataLst>
-              <p:tags r:id="rId4"/>
-            </p:custDataLst>
-          </p:nvPr>
-        </p:nvSpPr>
-        <p:spPr>
-          <a:xfrm>
-            <a:off x="6661150" y="6438815"/>
-            <a:ext cx="2057400" cy="365125"/>
-          </a:xfrm>
-        </p:spPr>
-        <p:txBody>
-          <a:bodyPr/>
-          <a:lstStyle/>
-          <a:p>
-            <a:fld id="{F8F2F176-31C6-47A3-A156-EEB678E90E74}" type="slidenum">
-              <a:rPr lang="en-CA" sz="1000" smtClean="0">
-                <a:solidFill>
-                  <a:schemeClr val="tx1">
-                    <a:lumMod val="65000"/>
-                    <a:lumOff val="35000"/>
-                  </a:schemeClr>
-                </a:solidFill>
-                <a:latin typeface="Montserrat Medium" panose="00000600000000000000" pitchFamily="2" charset="0"/>
-              </a:rPr>
               <a:t>2</a:t>
-            </a:fld>
-            <a:endParaRPr lang="en-CA" sz="1000" dirty="0">
-              <a:solidFill>
-                <a:schemeClr val="tx1">
-                  <a:lumMod val="65000"/>
-                  <a:lumOff val="35000"/>
-                </a:schemeClr>
-              </a:solidFill>
-              <a:latin typeface="Montserrat Medium" panose="00000600000000000000" pitchFamily="2" charset="0"/>
-            </a:endParaRPr>
-          </a:p>
-        </p:txBody>
-      </p:sp>
-      <p:sp>
-        <p:nvSpPr>
-          <p:cNvPr id="13" name="Content Placeholder 2">
-            <a:extLst>
-              <a:ext uri="{FF2B5EF4-FFF2-40B4-BE49-F238E27FC236}">
-                <a16:creationId xmlns:a16="http://schemas.microsoft.com/office/drawing/2014/main" id="{878B9DE7-9829-4A14-9B8E-7FD153DA69FD}"/>
-              </a:ext>
-            </a:extLst>
-          </p:cNvPr>
-          <p:cNvSpPr txBox="1">
-            <a:spLocks/>
-          </p:cNvSpPr>
-          <p:nvPr>
-            <p:custDataLst>
-              <p:tags r:id="rId5"/>
-            </p:custDataLst>
-          </p:nvPr>
-        </p:nvSpPr>
-        <p:spPr>
-          <a:xfrm>
-            <a:off x="425452" y="2901893"/>
-            <a:ext cx="2156882" cy="2478251"/>
-          </a:xfrm>
-          <a:prstGeom prst="snip2DiagRect">
-            <a:avLst/>
-          </a:prstGeom>
-          <a:solidFill>
-            <a:schemeClr val="bg1">
-              <a:lumMod val="95000"/>
-            </a:schemeClr>
-          </a:solidFill>
-        </p:spPr>
-        <p:txBody>
-          <a:bodyPr vert="horz" lIns="91440" tIns="45720" rIns="91440" bIns="45720" rtlCol="0" anchor="ctr">
-            <a:normAutofit/>
-          </a:bodyPr>
-          <a:lstStyle>
-            <a:lvl1pPr marL="228600" indent="-228600" algn="l" defTabSz="914400" rtl="0" eaLnBrk="1" latinLnBrk="0" hangingPunct="1">
-              <a:lnSpc>
-                <a:spcPct val="90000"/>
-              </a:lnSpc>
-              <a:spcBef>
-                <a:spcPts val="1000"/>
-              </a:spcBef>
-              <a:buFont typeface="Arial" panose="020B0604020202020204" pitchFamily="34" charset="0"/>
-              <a:buChar char="•"/>
-              <a:defRPr sz="2800" kern="1200">
-                <a:solidFill>
-                  <a:schemeClr val="tx1"/>
-                </a:solidFill>
-                <a:latin typeface="+mn-lt"/>
-                <a:ea typeface="+mn-ea"/>
-                <a:cs typeface="+mn-cs"/>
-              </a:defRPr>
-            </a:lvl1pPr>
-            <a:lvl2pPr marL="685800" indent="-228600" algn="l" defTabSz="914400" rtl="0" eaLnBrk="1" latinLnBrk="0" hangingPunct="1">
-              <a:lnSpc>
-                <a:spcPct val="90000"/>
-              </a:lnSpc>
-              <a:spcBef>
-                <a:spcPts val="500"/>
-              </a:spcBef>
-              <a:buFont typeface="Arial" panose="020B0604020202020204" pitchFamily="34" charset="0"/>
-              <a:buChar char="•"/>
-              <a:defRPr sz="2400" kern="1200">
-                <a:solidFill>
-                  <a:schemeClr val="tx1"/>
-                </a:solidFill>
-                <a:latin typeface="+mn-lt"/>
-                <a:ea typeface="+mn-ea"/>
-                <a:cs typeface="+mn-cs"/>
-              </a:defRPr>
-            </a:lvl2pPr>
-            <a:lvl3pPr marL="1143000" indent="-228600" algn="l" defTabSz="914400" rtl="0" eaLnBrk="1" latinLnBrk="0" hangingPunct="1">
-              <a:lnSpc>
-                <a:spcPct val="90000"/>
-              </a:lnSpc>
-              <a:spcBef>
-                <a:spcPts val="500"/>
-              </a:spcBef>
-              <a:buFont typeface="Arial" panose="020B0604020202020204" pitchFamily="34" charset="0"/>
-              <a:buChar char="•"/>
-              <a:defRPr sz="2000" kern="1200">
-                <a:solidFill>
-                  <a:schemeClr val="tx1"/>
-                </a:solidFill>
-                <a:latin typeface="+mn-lt"/>
-                <a:ea typeface="+mn-ea"/>
-                <a:cs typeface="+mn-cs"/>
-              </a:defRPr>
-            </a:lvl3pPr>
-            <a:lvl4pPr marL="1600200" indent="-228600" algn="l" defTabSz="914400" rtl="0" eaLnBrk="1" latinLnBrk="0" hangingPunct="1">
-              <a:lnSpc>
-                <a:spcPct val="90000"/>
-              </a:lnSpc>
-              <a:spcBef>
-                <a:spcPts val="500"/>
-              </a:spcBef>
-              <a:buFont typeface="Arial" panose="020B0604020202020204" pitchFamily="34" charset="0"/>
-              <a:buChar char="•"/>
-              <a:defRPr sz="1800" kern="1200">
-                <a:solidFill>
-                  <a:schemeClr val="tx1"/>
-                </a:solidFill>
-                <a:latin typeface="+mn-lt"/>
-                <a:ea typeface="+mn-ea"/>
-                <a:cs typeface="+mn-cs"/>
-              </a:defRPr>
-            </a:lvl4pPr>
-            <a:lvl5pPr marL="2057400" indent="-228600" algn="l" defTabSz="914400" rtl="0" eaLnBrk="1" latinLnBrk="0" hangingPunct="1">
-              <a:lnSpc>
-                <a:spcPct val="90000"/>
-              </a:lnSpc>
-              <a:spcBef>
-                <a:spcPts val="500"/>
-              </a:spcBef>
-              <a:buFont typeface="Arial" panose="020B0604020202020204" pitchFamily="34" charset="0"/>
-              <a:buChar char="•"/>
-              <a:defRPr sz="1800" kern="1200">
-                <a:solidFill>
-                  <a:schemeClr val="tx1"/>
-                </a:solidFill>
-                <a:latin typeface="+mn-lt"/>
-                <a:ea typeface="+mn-ea"/>
-                <a:cs typeface="+mn-cs"/>
-              </a:defRPr>
-            </a:lvl5pPr>
-            <a:lvl6pPr marL="2514600" indent="-228600" algn="l" defTabSz="914400" rtl="0" eaLnBrk="1" latinLnBrk="0" hangingPunct="1">
-              <a:lnSpc>
-                <a:spcPct val="90000"/>
-              </a:lnSpc>
-              <a:spcBef>
-                <a:spcPts val="500"/>
-              </a:spcBef>
-              <a:buFont typeface="Arial" panose="020B0604020202020204" pitchFamily="34" charset="0"/>
-              <a:buChar char="•"/>
-              <a:defRPr sz="1800" kern="1200">
-                <a:solidFill>
-                  <a:schemeClr val="tx1"/>
-                </a:solidFill>
-                <a:latin typeface="+mn-lt"/>
-                <a:ea typeface="+mn-ea"/>
-                <a:cs typeface="+mn-cs"/>
-              </a:defRPr>
-            </a:lvl6pPr>
-            <a:lvl7pPr marL="2971800" indent="-228600" algn="l" defTabSz="914400" rtl="0" eaLnBrk="1" latinLnBrk="0" hangingPunct="1">
-              <a:lnSpc>
-                <a:spcPct val="90000"/>
-              </a:lnSpc>
-              <a:spcBef>
-                <a:spcPts val="500"/>
-              </a:spcBef>
-              <a:buFont typeface="Arial" panose="020B0604020202020204" pitchFamily="34" charset="0"/>
-              <a:buChar char="•"/>
-              <a:defRPr sz="1800" kern="1200">
-                <a:solidFill>
-                  <a:schemeClr val="tx1"/>
-                </a:solidFill>
-                <a:latin typeface="+mn-lt"/>
-                <a:ea typeface="+mn-ea"/>
-                <a:cs typeface="+mn-cs"/>
-              </a:defRPr>
-            </a:lvl7pPr>
-            <a:lvl8pPr marL="3429000" indent="-228600" algn="l" defTabSz="914400" rtl="0" eaLnBrk="1" latinLnBrk="0" hangingPunct="1">
-              <a:lnSpc>
-                <a:spcPct val="90000"/>
-              </a:lnSpc>
-              <a:spcBef>
-                <a:spcPts val="500"/>
-              </a:spcBef>
-              <a:buFont typeface="Arial" panose="020B0604020202020204" pitchFamily="34" charset="0"/>
-              <a:buChar char="•"/>
-              <a:defRPr sz="1800" kern="1200">
-                <a:solidFill>
-                  <a:schemeClr val="tx1"/>
-                </a:solidFill>
-                <a:latin typeface="+mn-lt"/>
-                <a:ea typeface="+mn-ea"/>
-                <a:cs typeface="+mn-cs"/>
-              </a:defRPr>
-            </a:lvl8pPr>
-            <a:lvl9pPr marL="3886200" indent="-228600" algn="l" defTabSz="914400" rtl="0" eaLnBrk="1" latinLnBrk="0" hangingPunct="1">
-              <a:lnSpc>
-                <a:spcPct val="90000"/>
-              </a:lnSpc>
-              <a:spcBef>
-                <a:spcPts val="500"/>
-              </a:spcBef>
-              <a:buFont typeface="Arial" panose="020B0604020202020204" pitchFamily="34" charset="0"/>
-              <a:buChar char="•"/>
-              <a:defRPr sz="1800" kern="1200">
-                <a:solidFill>
-                  <a:schemeClr val="tx1"/>
-                </a:solidFill>
-                <a:latin typeface="+mn-lt"/>
-                <a:ea typeface="+mn-ea"/>
-                <a:cs typeface="+mn-cs"/>
-              </a:defRPr>
-            </a:lvl9pPr>
-          </a:lstStyle>
-          <a:p>
-            <a:pPr marL="0" indent="0">
-              <a:buNone/>
-            </a:pPr>
-            <a:r>
-              <a:rPr lang="en-US" sz="1800" dirty="0">
-                <a:latin typeface="Montserrat ExtraLight" panose="00000300000000000000" pitchFamily="2" charset="0"/>
-              </a:rPr>
-              <a:t>In this presentation</a:t>
-            </a:r>
-          </a:p>
-        </p:txBody>
-      </p:sp>
-      <p:sp>
-        <p:nvSpPr>
-          <p:cNvPr id="3" name="TextBox 2">
-            <a:extLst>
-              <a:ext uri="{FF2B5EF4-FFF2-40B4-BE49-F238E27FC236}">
-                <a16:creationId xmlns:a16="http://schemas.microsoft.com/office/drawing/2014/main" id="{36E031B9-F9EE-4EA0-9660-83277819C433}"/>
-              </a:ext>
-            </a:extLst>
-          </p:cNvPr>
-          <p:cNvSpPr txBox="1"/>
-          <p:nvPr>
-            <p:custDataLst>
-              <p:tags r:id="rId6"/>
-            </p:custDataLst>
-          </p:nvPr>
-        </p:nvSpPr>
-        <p:spPr>
-          <a:xfrm>
-            <a:off x="2980592" y="3298371"/>
-            <a:ext cx="5737951" cy="2311595"/>
-          </a:xfrm>
-          <a:prstGeom prst="rect">
-            <a:avLst/>
-          </a:prstGeom>
-          <a:noFill/>
-        </p:spPr>
-        <p:txBody>
-          <a:bodyPr wrap="square" rtlCol="0" anchor="ctr">
-            <a:spAutoFit/>
-          </a:bodyPr>
-          <a:lstStyle/>
-          <a:p>
-            <a:pPr marL="285750" indent="-285750">
-              <a:lnSpc>
-                <a:spcPct val="150000"/>
-              </a:lnSpc>
-              <a:buFont typeface="Wingdings" panose="05000000000000000000" pitchFamily="2" charset="2"/>
-              <a:buChar char="§"/>
-            </a:pPr>
-            <a:r>
-              <a:rPr lang="en-CA" sz="1600">
-                <a:latin typeface="Montserrat ExtraLight" panose="00000300000000000000" pitchFamily="2" charset="0"/>
-              </a:rPr>
-              <a:t>Intro to Gradient Boosted Trees</a:t>
-            </a:r>
-          </a:p>
-          <a:p>
-            <a:pPr marL="285750" indent="-285750">
-              <a:lnSpc>
-                <a:spcPct val="150000"/>
-              </a:lnSpc>
-              <a:buFont typeface="Wingdings" panose="05000000000000000000" pitchFamily="2" charset="2"/>
-              <a:buChar char="§"/>
-            </a:pPr>
-            <a:r>
-              <a:rPr lang="en-CA" sz="1600">
-                <a:latin typeface="Montserrat ExtraLight" panose="00000300000000000000" pitchFamily="2" charset="0"/>
-              </a:rPr>
-              <a:t>Why a Julia implementation?</a:t>
-            </a:r>
-          </a:p>
-          <a:p>
-            <a:pPr marL="285750" indent="-285750">
-              <a:lnSpc>
-                <a:spcPct val="150000"/>
-              </a:lnSpc>
-              <a:buFont typeface="Wingdings" panose="05000000000000000000" pitchFamily="2" charset="2"/>
-              <a:buChar char="§"/>
-            </a:pPr>
-            <a:r>
-              <a:rPr lang="en-CA" sz="1600">
-                <a:latin typeface="Montserrat ExtraLight" panose="00000300000000000000" pitchFamily="2" charset="0"/>
-              </a:rPr>
-              <a:t>Structure Overview</a:t>
-            </a:r>
-            <a:endParaRPr lang="en-CA" sz="800" dirty="0">
-              <a:latin typeface="Montserrat ExtraLight" panose="00000300000000000000" pitchFamily="2" charset="0"/>
-            </a:endParaRPr>
-          </a:p>
-          <a:p>
-            <a:pPr marL="285750" indent="-285750">
-              <a:lnSpc>
-                <a:spcPct val="150000"/>
-              </a:lnSpc>
-              <a:buFont typeface="Wingdings" panose="05000000000000000000" pitchFamily="2" charset="2"/>
-              <a:buChar char="§"/>
-            </a:pPr>
-            <a:r>
-              <a:rPr lang="en-CA" sz="1600">
-                <a:latin typeface="Montserrat ExtraLight" panose="00000300000000000000" pitchFamily="2" charset="0"/>
-              </a:rPr>
-              <a:t>Design choices for performance</a:t>
-            </a:r>
-          </a:p>
-          <a:p>
-            <a:pPr marL="285750" indent="-285750">
-              <a:lnSpc>
-                <a:spcPct val="150000"/>
-              </a:lnSpc>
-              <a:buFont typeface="Wingdings" panose="05000000000000000000" pitchFamily="2" charset="2"/>
-              <a:buChar char="§"/>
-            </a:pPr>
-            <a:r>
-              <a:rPr lang="en-CA" sz="1600">
-                <a:latin typeface="Montserrat ExtraLight" panose="00000300000000000000" pitchFamily="2" charset="0"/>
-              </a:rPr>
-              <a:t>Anticipated Development Paths</a:t>
-            </a:r>
-          </a:p>
-          <a:p>
-            <a:pPr marL="285750" indent="-285750">
-              <a:lnSpc>
-                <a:spcPct val="150000"/>
-              </a:lnSpc>
-              <a:buFont typeface="Wingdings" panose="05000000000000000000" pitchFamily="2" charset="2"/>
-              <a:buChar char="§"/>
-            </a:pPr>
-            <a:endParaRPr lang="en-CA" dirty="0">
-              <a:latin typeface="Montserrat ExtraLight" panose="00000300000000000000" pitchFamily="2" charset="0"/>
-            </a:endParaRPr>
-          </a:p>
-        </p:txBody>
-      </p:sp>
-      <p:pic>
-        <p:nvPicPr>
-          <p:cNvPr id="10" name="Picture 9">
-            <a:extLst>
-              <a:ext uri="{FF2B5EF4-FFF2-40B4-BE49-F238E27FC236}">
-                <a16:creationId xmlns:a16="http://schemas.microsoft.com/office/drawing/2014/main" id="{795AC806-5F2E-4BE0-8357-FE24EE2BE632}"/>
-              </a:ext>
-            </a:extLst>
-          </p:cNvPr>
-          <p:cNvPicPr>
-            <a:picLocks noChangeAspect="1"/>
-          </p:cNvPicPr>
-          <p:nvPr>
-            <p:custDataLst>
-              <p:tags r:id="rId7"/>
-            </p:custDataLst>
-          </p:nvPr>
-        </p:nvPicPr>
-        <p:blipFill>
-          <a:blip r:embed="rId9">
-            <a:extLst>
-              <a:ext uri="{28A0092B-C50C-407E-A947-70E740481C1C}">
-                <a14:useLocalDpi xmlns:a14="http://schemas.microsoft.com/office/drawing/2010/main" val="0"/>
-              </a:ext>
-            </a:extLst>
-          </a:blip>
-          <a:stretch>
-            <a:fillRect/>
-          </a:stretch>
-        </p:blipFill>
-        <p:spPr>
-          <a:xfrm>
-            <a:off x="2573866" y="6538913"/>
-            <a:ext cx="1506045" cy="164931"/>
-          </a:xfrm>
-          <a:prstGeom prst="rect">
-            <a:avLst/>
-          </a:prstGeom>
-        </p:spPr>
-      </p:pic>
-    </p:spTree>
-    <p:extLst>
-      <p:ext uri="{BB962C8B-B14F-4D97-AF65-F5344CB8AC3E}">
-        <p14:creationId xmlns:p14="http://schemas.microsoft.com/office/powerpoint/2010/main" val="450305096"/>
-      </p:ext>
-    </p:extLst>
-  </p:cSld>
-  <p:clrMapOvr>
-    <a:masterClrMapping/>
-  </p:clrMapOvr>
-</p:sld>
-</file>
-
-<file path=ppt/slides/slide3.xml><?xml version="1.0" encoding="utf-8"?>
-<p:sld xmlns:a="http://schemas.openxmlformats.org/drawingml/2006/main" xmlns:r="http://schemas.openxmlformats.org/officeDocument/2006/relationships" xmlns:p="http://schemas.openxmlformats.org/presentationml/2006/main">
-  <p:cSld>
-    <p:spTree>
-      <p:nvGrpSpPr>
-        <p:cNvPr id="1" name=""/>
-        <p:cNvGrpSpPr/>
-        <p:nvPr/>
-      </p:nvGrpSpPr>
-      <p:grpSpPr>
-        <a:xfrm>
-          <a:off x="0" y="0"/>
-          <a:ext cx="0" cy="0"/>
-          <a:chOff x="0" y="0"/>
-          <a:chExt cx="0" cy="0"/>
-        </a:xfrm>
-      </p:grpSpPr>
-      <p:sp>
-        <p:nvSpPr>
-          <p:cNvPr id="2" name="Title 1">
-            <a:extLst>
-              <a:ext uri="{FF2B5EF4-FFF2-40B4-BE49-F238E27FC236}">
-                <a16:creationId xmlns:a16="http://schemas.microsoft.com/office/drawing/2014/main" id="{1ACB09F9-AEBB-4A2B-AA28-0208614D748F}"/>
-              </a:ext>
-            </a:extLst>
-          </p:cNvPr>
-          <p:cNvSpPr>
-            <a:spLocks noGrp="1"/>
-          </p:cNvSpPr>
-          <p:nvPr>
-            <p:ph type="title"/>
-            <p:custDataLst>
-              <p:tags r:id="rId1"/>
-            </p:custDataLst>
-          </p:nvPr>
-        </p:nvSpPr>
-        <p:spPr>
-          <a:xfrm>
-            <a:off x="314325" y="188537"/>
-            <a:ext cx="8404223" cy="1115654"/>
-          </a:xfrm>
-        </p:spPr>
-        <p:txBody>
-          <a:bodyPr>
-            <a:normAutofit/>
-          </a:bodyPr>
-          <a:lstStyle/>
-          <a:p>
-            <a:r>
-              <a:rPr lang="en-CA" sz="3200">
-                <a:solidFill>
-                  <a:srgbClr val="033572"/>
-                </a:solidFill>
-                <a:latin typeface="Montserrat ExtraLight" panose="00000300000000000000" pitchFamily="50" charset="0"/>
-                <a:ea typeface="Yu Gothic UI Light" panose="020B0300000000000000" pitchFamily="34" charset="-128"/>
-              </a:rPr>
-              <a:t>Why a Julia Implementation?</a:t>
-            </a:r>
-            <a:endParaRPr lang="en-CA" sz="3200" dirty="0">
-              <a:solidFill>
-                <a:srgbClr val="033572"/>
-              </a:solidFill>
-              <a:latin typeface="Montserrat ExtraLight" panose="00000300000000000000" pitchFamily="50" charset="0"/>
-              <a:ea typeface="Yu Gothic UI Light" panose="020B0300000000000000" pitchFamily="34" charset="-128"/>
-            </a:endParaRPr>
-          </a:p>
-        </p:txBody>
-      </p:sp>
-      <p:sp>
-        <p:nvSpPr>
-          <p:cNvPr id="32" name="Rectangle: Single Corner Snipped 31">
-            <a:extLst>
-              <a:ext uri="{FF2B5EF4-FFF2-40B4-BE49-F238E27FC236}">
-                <a16:creationId xmlns:a16="http://schemas.microsoft.com/office/drawing/2014/main" id="{D40DB3D4-D8CE-4C73-86B3-C8C8851414AB}"/>
-              </a:ext>
-            </a:extLst>
-          </p:cNvPr>
-          <p:cNvSpPr/>
-          <p:nvPr>
-            <p:custDataLst>
-              <p:tags r:id="rId2"/>
-            </p:custDataLst>
-          </p:nvPr>
-        </p:nvSpPr>
-        <p:spPr>
-          <a:xfrm>
-            <a:off x="425452" y="1256427"/>
-            <a:ext cx="2131480" cy="97815"/>
-          </a:xfrm>
-          <a:prstGeom prst="snip1Rect">
-            <a:avLst/>
-          </a:prstGeom>
-          <a:solidFill>
-            <a:srgbClr val="033572"/>
-          </a:solidFill>
-          <a:ln>
-            <a:noFill/>
-          </a:ln>
-        </p:spPr>
-        <p:style>
-          <a:lnRef idx="2">
-            <a:schemeClr val="accent1">
-              <a:shade val="50000"/>
-            </a:schemeClr>
-          </a:lnRef>
-          <a:fillRef idx="1">
-            <a:schemeClr val="accent1"/>
-          </a:fillRef>
-          <a:effectRef idx="0">
-            <a:schemeClr val="accent1"/>
-          </a:effectRef>
-          <a:fontRef idx="minor">
-            <a:schemeClr val="lt1"/>
-          </a:fontRef>
-        </p:style>
-        <p:txBody>
-          <a:bodyPr rtlCol="0" anchor="ctr"/>
-          <a:lstStyle/>
-          <a:p>
-            <a:pPr algn="ctr"/>
-            <a:endParaRPr lang="en-CA"/>
-          </a:p>
-        </p:txBody>
-      </p:sp>
-      <p:sp>
-        <p:nvSpPr>
-          <p:cNvPr id="34" name="Rectangle: Diagonal Corners Snipped 33">
-            <a:extLst>
-              <a:ext uri="{FF2B5EF4-FFF2-40B4-BE49-F238E27FC236}">
-                <a16:creationId xmlns:a16="http://schemas.microsoft.com/office/drawing/2014/main" id="{0EDCC121-8CEE-4796-B537-5AD521688016}"/>
-              </a:ext>
-            </a:extLst>
-          </p:cNvPr>
-          <p:cNvSpPr/>
-          <p:nvPr>
-            <p:custDataLst>
-              <p:tags r:id="rId3"/>
-            </p:custDataLst>
-          </p:nvPr>
-        </p:nvSpPr>
-        <p:spPr>
-          <a:xfrm rot="10800000">
-            <a:off x="2556926" y="6393092"/>
-            <a:ext cx="6161617" cy="45719"/>
-          </a:xfrm>
-          <a:prstGeom prst="snip2DiagRect">
-            <a:avLst/>
-          </a:prstGeom>
-          <a:solidFill>
-            <a:srgbClr val="033572"/>
-          </a:solidFill>
-          <a:ln>
-            <a:noFill/>
-          </a:ln>
-        </p:spPr>
-        <p:style>
-          <a:lnRef idx="2">
-            <a:schemeClr val="accent1">
-              <a:shade val="50000"/>
-            </a:schemeClr>
-          </a:lnRef>
-          <a:fillRef idx="1">
-            <a:schemeClr val="accent1"/>
-          </a:fillRef>
-          <a:effectRef idx="0">
-            <a:schemeClr val="accent1"/>
-          </a:effectRef>
-          <a:fontRef idx="minor">
-            <a:schemeClr val="lt1"/>
-          </a:fontRef>
-        </p:style>
-        <p:txBody>
-          <a:bodyPr rtlCol="0" anchor="ctr"/>
-          <a:lstStyle/>
-          <a:p>
-            <a:pPr algn="ctr"/>
-            <a:endParaRPr lang="en-CA"/>
-          </a:p>
-        </p:txBody>
-      </p:sp>
-      <p:sp>
-        <p:nvSpPr>
-          <p:cNvPr id="37" name="Slide Number Placeholder 36">
-            <a:extLst>
-              <a:ext uri="{FF2B5EF4-FFF2-40B4-BE49-F238E27FC236}">
-                <a16:creationId xmlns:a16="http://schemas.microsoft.com/office/drawing/2014/main" id="{3FAEF380-641A-4A55-B1BC-97733D15A88A}"/>
-              </a:ext>
-            </a:extLst>
-          </p:cNvPr>
-          <p:cNvSpPr>
-            <a:spLocks noGrp="1"/>
-          </p:cNvSpPr>
-          <p:nvPr>
-            <p:ph type="sldNum" sz="quarter" idx="12"/>
-            <p:custDataLst>
-              <p:tags r:id="rId4"/>
-            </p:custDataLst>
-          </p:nvPr>
-        </p:nvSpPr>
-        <p:spPr>
-          <a:xfrm>
-            <a:off x="6661150" y="6438815"/>
-            <a:ext cx="2057400" cy="365125"/>
-          </a:xfrm>
-        </p:spPr>
-        <p:txBody>
-          <a:bodyPr/>
-          <a:lstStyle/>
-          <a:p>
-            <a:fld id="{F8F2F176-31C6-47A3-A156-EEB678E90E74}" type="slidenum">
-              <a:rPr lang="en-CA" sz="1000" smtClean="0">
-                <a:solidFill>
-                  <a:schemeClr val="tx1">
-                    <a:lumMod val="65000"/>
-                    <a:lumOff val="35000"/>
-                  </a:schemeClr>
-                </a:solidFill>
-                <a:latin typeface="Montserrat Medium" panose="00000600000000000000" pitchFamily="2" charset="0"/>
-              </a:rPr>
-              <a:t>3</a:t>
             </a:fld>
             <a:endParaRPr lang="en-CA" sz="1000" dirty="0">
               <a:solidFill>
@@ -7962,7 +6777,7 @@
         </p:blipFill>
         <p:spPr bwMode="auto">
           <a:xfrm>
-            <a:off x="425452" y="2418987"/>
+            <a:off x="425452" y="2286523"/>
             <a:ext cx="8458200" cy="828675"/>
           </a:xfrm>
           <a:prstGeom prst="rect">
@@ -8009,7 +6824,7 @@
         </p:blipFill>
         <p:spPr bwMode="auto">
           <a:xfrm>
-            <a:off x="425452" y="3688145"/>
+            <a:off x="425452" y="3599021"/>
             <a:ext cx="8448675" cy="857250"/>
           </a:xfrm>
           <a:prstGeom prst="rect">
@@ -8042,13 +6857,13 @@
           <p:nvPr>
             <p:extLst>
               <p:ext uri="{D42A27DB-BD31-4B8C-83A1-F6EECF244321}">
-                <p14:modId xmlns:p14="http://schemas.microsoft.com/office/powerpoint/2010/main" val="2241041583"/>
+                <p14:modId xmlns:p14="http://schemas.microsoft.com/office/powerpoint/2010/main" val="1687746750"/>
               </p:ext>
             </p:extLst>
           </p:nvPr>
         </p:nvGraphicFramePr>
         <p:xfrm>
-          <a:off x="425452" y="4545395"/>
+          <a:off x="425452" y="4931367"/>
           <a:ext cx="7886700" cy="1340412"/>
         </p:xfrm>
         <a:graphic>
@@ -8915,7 +7730,7 @@
         </p:nvSpPr>
         <p:spPr>
           <a:xfrm>
-            <a:off x="425452" y="3391999"/>
+            <a:off x="425452" y="3170411"/>
             <a:ext cx="8020416" cy="307777"/>
           </a:xfrm>
           <a:prstGeom prst="rect">
@@ -8956,7 +7771,7 @@
         </p:nvSpPr>
         <p:spPr>
           <a:xfrm>
-            <a:off x="425452" y="2140016"/>
+            <a:off x="425452" y="2007552"/>
             <a:ext cx="8020416" cy="307777"/>
           </a:xfrm>
           <a:prstGeom prst="rect">
@@ -8979,6 +7794,63 @@
                 <a:latin typeface="Montserrat ExtraLight" panose="00000300000000000000" pitchFamily="50" charset="0"/>
               </a:rPr>
               <a:t>XGBoost:</a:t>
+            </a:r>
+          </a:p>
+        </p:txBody>
+      </p:sp>
+      <p:sp>
+        <p:nvSpPr>
+          <p:cNvPr id="13" name="Rectangle 12">
+            <a:extLst>
+              <a:ext uri="{FF2B5EF4-FFF2-40B4-BE49-F238E27FC236}">
+                <a16:creationId xmlns:a16="http://schemas.microsoft.com/office/drawing/2014/main" id="{D755AC38-C382-46D7-B7F3-06F9A4568F5F}"/>
+              </a:ext>
+            </a:extLst>
+          </p:cNvPr>
+          <p:cNvSpPr/>
+          <p:nvPr/>
+        </p:nvSpPr>
+        <p:spPr>
+          <a:xfrm>
+            <a:off x="425452" y="4423215"/>
+            <a:ext cx="8020416" cy="307777"/>
+          </a:xfrm>
+          <a:prstGeom prst="rect">
+            <a:avLst/>
+          </a:prstGeom>
+        </p:spPr>
+        <p:txBody>
+          <a:bodyPr wrap="square">
+            <a:spAutoFit/>
+          </a:bodyPr>
+          <a:lstStyle/>
+          <a:p>
+            <a:pPr fontAlgn="base"/>
+            <a:r>
+              <a:rPr lang="en-CA" sz="1400" b="0" i="0">
+                <a:solidFill>
+                  <a:srgbClr val="333333"/>
+                </a:solidFill>
+                <a:effectLst/>
+                <a:latin typeface="Montserrat ExtraLight" panose="00000300000000000000" pitchFamily="50" charset="0"/>
+              </a:rPr>
+              <a:t>Other Julia implementation: </a:t>
+            </a:r>
+            <a:r>
+              <a:rPr lang="fr-CA" sz="1400">
+                <a:hlinkClick r:id="rId11"/>
+              </a:rPr>
+              <a:t>https://github.com/xiaodaigh/JLBoost.jl</a:t>
+            </a:r>
+            <a:r>
+              <a:rPr lang="en-CA" sz="1400" b="0" i="0">
+                <a:solidFill>
+                  <a:srgbClr val="333333"/>
+                </a:solidFill>
+                <a:effectLst/>
+                <a:latin typeface="Montserrat ExtraLight" panose="00000300000000000000" pitchFamily="50" charset="0"/>
+              </a:rPr>
+              <a:t> </a:t>
             </a:r>
           </a:p>
         </p:txBody>
@@ -8996,7 +7868,7 @@
 </p:sld>
 </file>
 
-<file path=ppt/slides/slide4.xml><?xml version="1.0" encoding="utf-8"?>
+<file path=ppt/slides/slide3.xml><?xml version="1.0" encoding="utf-8"?>
 <p:sld xmlns:a="http://schemas.openxmlformats.org/drawingml/2006/main" xmlns:r="http://schemas.openxmlformats.org/officeDocument/2006/relationships" xmlns:p="http://schemas.openxmlformats.org/presentationml/2006/main">
   <p:cSld>
     <p:spTree>
@@ -9215,7 +8087,7 @@
                 </a:solidFill>
                 <a:latin typeface="Montserrat Medium" panose="00000600000000000000" pitchFamily="2" charset="0"/>
               </a:rPr>
-              <a:t>4</a:t>
+              <a:t>3</a:t>
             </a:fld>
             <a:endParaRPr lang="en-CA" sz="1000" dirty="0">
               <a:solidFill>
@@ -9304,7 +8176,7 @@
                 </a:solidFill>
                 <a:latin typeface="Montserrat" panose="00000500000000000000" pitchFamily="50" charset="0"/>
               </a:rPr>
-              <a:t>GBT is a algorithm that performs regression tasks by stacking binary regression trees: </a:t>
+              <a:t>GBT is an algorithm that performs regression tasks by stacking binary regression trees: </a:t>
             </a:r>
           </a:p>
           <a:p>
@@ -9396,7 +8268,7 @@
                 </a:solidFill>
                 <a:latin typeface="Montserrat ExtraLight" panose="00000300000000000000" pitchFamily="50" charset="0"/>
               </a:rPr>
-              <a:t>Repeart 2. and 3. for N steps (or till no improvement on </a:t>
+              <a:t>Repeat 2. and 3. for N steps (or till no improvement on </a:t>
             </a:r>
             <a:r>
               <a:rPr lang="en-CA" sz="1400">
@@ -9502,7 +8374,7 @@
 </p:sld>
 </file>
 
-<file path=ppt/slides/slide5.xml><?xml version="1.0" encoding="utf-8"?>
+<file path=ppt/slides/slide4.xml><?xml version="1.0" encoding="utf-8"?>
 <p:sld xmlns:a="http://schemas.openxmlformats.org/drawingml/2006/main" xmlns:r="http://schemas.openxmlformats.org/officeDocument/2006/relationships" xmlns:p="http://schemas.openxmlformats.org/presentationml/2006/main">
   <p:cSld>
     <p:spTree>
@@ -9721,7 +8593,7 @@
                 </a:solidFill>
                 <a:latin typeface="Montserrat Medium" panose="00000600000000000000" pitchFamily="2" charset="0"/>
               </a:rPr>
-              <a:t>5</a:t>
+              <a:t>4</a:t>
             </a:fld>
             <a:endParaRPr lang="en-CA" sz="1000" dirty="0">
               <a:solidFill>
@@ -9811,7 +8683,7 @@
                 <a:effectLst/>
                 <a:latin typeface="Montserrat ExtraLight" panose="00000300000000000000" pitchFamily="50" charset="0"/>
               </a:rPr>
-              <a:t>From GBT introduction, it can be observed that the resultring model consists in a collection of Trees. </a:t>
+              <a:t>From GBT introduction, it can be observed that the resulting model consists in a collection of Trees. </a:t>
             </a:r>
           </a:p>
           <a:p>
@@ -9833,7 +8705,7 @@
                 </a:solidFill>
                 <a:latin typeface="Montserrat ExtraLight" panose="00000300000000000000" pitchFamily="50" charset="0"/>
               </a:rPr>
-              <a:t>The sutrcture holding the model can hence be defined as a Vector of Trees. In addition, hyper-parameters used to define the model as well a metrics tracking the model performing are added. </a:t>
+              <a:t>The structure holding the model can hence be defined as a Vector of Trees. In addition, hyper-parameters used to define the model as well as metrics tracking the model performing are added. </a:t>
             </a:r>
             <a:endParaRPr lang="fr-CA" sz="1400" b="0" i="0">
               <a:solidFill>
@@ -9974,7 +8846,7 @@
 </p:sld>
 </file>
 
-<file path=ppt/slides/slide6.xml><?xml version="1.0" encoding="utf-8"?>
+<file path=ppt/slides/slide5.xml><?xml version="1.0" encoding="utf-8"?>
 <p:sld xmlns:a="http://schemas.openxmlformats.org/drawingml/2006/main" xmlns:r="http://schemas.openxmlformats.org/officeDocument/2006/relationships" xmlns:p="http://schemas.openxmlformats.org/presentationml/2006/main">
   <p:cSld>
     <p:spTree>
@@ -10420,7 +9292,7 @@
                 </a:solidFill>
                 <a:latin typeface="Montserrat Medium" panose="00000600000000000000" pitchFamily="2" charset="0"/>
               </a:rPr>
-              <a:t>6</a:t>
+              <a:t>5</a:t>
             </a:fld>
             <a:endParaRPr lang="en-CA" sz="1000" dirty="0">
               <a:solidFill>
@@ -10664,7 +9536,7 @@
 </p:sld>
 </file>
 
-<file path=ppt/slides/slide7.xml><?xml version="1.0" encoding="utf-8"?>
+<file path=ppt/slides/slide6.xml><?xml version="1.0" encoding="utf-8"?>
 <p:sld xmlns:a="http://schemas.openxmlformats.org/drawingml/2006/main" xmlns:r="http://schemas.openxmlformats.org/officeDocument/2006/relationships" xmlns:p="http://schemas.openxmlformats.org/presentationml/2006/main">
   <p:cSld>
     <p:spTree>
@@ -10883,7 +9755,7 @@
                 </a:solidFill>
                 <a:latin typeface="Montserrat Medium" panose="00000600000000000000" pitchFamily="2" charset="0"/>
               </a:rPr>
-              <a:t>7</a:t>
+              <a:t>6</a:t>
             </a:fld>
             <a:endParaRPr lang="en-CA" sz="1000" dirty="0">
               <a:solidFill>
@@ -11437,7 +10309,7 @@
 </p:sld>
 </file>
 
-<file path=ppt/slides/slide8.xml><?xml version="1.0" encoding="utf-8"?>
+<file path=ppt/slides/slide7.xml><?xml version="1.0" encoding="utf-8"?>
 <p:sld xmlns:a="http://schemas.openxmlformats.org/drawingml/2006/main" xmlns:r="http://schemas.openxmlformats.org/officeDocument/2006/relationships" xmlns:p="http://schemas.openxmlformats.org/presentationml/2006/main">
   <p:cSld>
     <p:spTree>
@@ -11656,7 +10528,7 @@
                 </a:solidFill>
                 <a:latin typeface="Montserrat Medium" panose="00000600000000000000" pitchFamily="2" charset="0"/>
               </a:rPr>
-              <a:t>8</a:t>
+              <a:t>7</a:t>
             </a:fld>
             <a:endParaRPr lang="en-CA" sz="1000" dirty="0">
               <a:solidFill>
@@ -11760,7 +10632,7 @@
                 </a:solidFill>
                 <a:latin typeface="Montserrat ExtraLight" panose="00000300000000000000" pitchFamily="50" charset="0"/>
               </a:rPr>
-              <a:t>Avoids the the inefficient evaluation of the quality of the split at every point</a:t>
+              <a:t>Avoids the inefficient evaluation of the quality of the split at every point</a:t>
             </a:r>
           </a:p>
           <a:p>
@@ -11876,8 +10748,8 @@
         </p:nvSpPr>
         <p:spPr>
           <a:xfrm>
-            <a:off x="425452" y="3070622"/>
-            <a:ext cx="6432543" cy="523220"/>
+            <a:off x="425452" y="3029398"/>
+            <a:ext cx="4538434" cy="523220"/>
           </a:xfrm>
           <a:prstGeom prst="rect">
             <a:avLst/>
@@ -11931,7 +10803,7 @@
 </p:sld>
 </file>
 
-<file path=ppt/slides/slide9.xml><?xml version="1.0" encoding="utf-8"?>
+<file path=ppt/slides/slide8.xml><?xml version="1.0" encoding="utf-8"?>
 <p:sld xmlns:a="http://schemas.openxmlformats.org/drawingml/2006/main" xmlns:r="http://schemas.openxmlformats.org/officeDocument/2006/relationships" xmlns:p="http://schemas.openxmlformats.org/presentationml/2006/main">
   <p:cSld>
     <p:spTree>
@@ -12150,7 +11022,7 @@
                 </a:solidFill>
                 <a:latin typeface="Montserrat Medium" panose="00000600000000000000" pitchFamily="2" charset="0"/>
               </a:rPr>
-              <a:t>9</a:t>
+              <a:t>8</a:t>
             </a:fld>
             <a:endParaRPr lang="en-CA" sz="1000" dirty="0">
               <a:solidFill>
@@ -12219,7 +11091,7 @@
         <p:spPr>
           <a:xfrm>
             <a:off x="425452" y="1544302"/>
-            <a:ext cx="8020416" cy="954107"/>
+            <a:ext cx="8020416" cy="738664"/>
           </a:xfrm>
           <a:prstGeom prst="rect">
             <a:avLst/>
@@ -12239,57 +11111,7 @@
                 </a:solidFill>
                 <a:latin typeface="Montserrat ExtraLight" panose="00000300000000000000" pitchFamily="50" charset="0"/>
               </a:rPr>
-              <a:t>Parallelization: </a:t>
-            </a:r>
-          </a:p>
-          <a:p>
-            <a:pPr marL="285750" indent="-285750" fontAlgn="base">
-              <a:buFontTx/>
-              <a:buChar char="-"/>
-            </a:pPr>
-            <a:r>
-              <a:rPr lang="en-CA" sz="1400" b="0" i="0">
-                <a:solidFill>
-                  <a:srgbClr val="333333"/>
-                </a:solidFill>
-                <a:effectLst/>
-                <a:latin typeface="Montserrat ExtraLight" panose="00000300000000000000" pitchFamily="50" charset="0"/>
-              </a:rPr>
-              <a:t>Tree Stacking</a:t>
-            </a:r>
-            <a:r>
-              <a:rPr lang="en-CA" sz="1400">
-                <a:solidFill>
-                  <a:srgbClr val="333333"/>
-                </a:solidFill>
-                <a:latin typeface="Montserrat ExtraLight" panose="00000300000000000000" pitchFamily="50" charset="0"/>
-              </a:rPr>
-              <a:t>:</a:t>
-            </a:r>
-            <a:r>
-              <a:rPr lang="en-CA" sz="1400" b="0" i="0">
-                <a:solidFill>
-                  <a:srgbClr val="333333"/>
-                </a:solidFill>
-                <a:effectLst/>
-                <a:latin typeface="Montserrat ExtraLight" panose="00000300000000000000" pitchFamily="50" charset="0"/>
-              </a:rPr>
-              <a:t> sequential process (dependency upon previous trees)</a:t>
-            </a:r>
-          </a:p>
-          <a:p>
-            <a:pPr marL="285750" indent="-285750" fontAlgn="base">
-              <a:buFontTx/>
-              <a:buChar char="-"/>
-            </a:pPr>
-            <a:r>
-              <a:rPr lang="en-CA" sz="1400">
-                <a:solidFill>
-                  <a:srgbClr val="333333"/>
-                </a:solidFill>
-                <a:latin typeface="Montserrat ExtraLight" panose="00000300000000000000" pitchFamily="50" charset="0"/>
-              </a:rPr>
-              <a:t>Tree Growth: nodes depends upon their parent</a:t>
+              <a:t>Part of the Gradient Boosted method efficiency and flexibility comes from the usage of the second order approximation of the loss function. </a:t>
             </a:r>
             <a:endParaRPr lang="fr-CA" sz="1400">
               <a:solidFill>
@@ -12299,19 +11121,13 @@
             </a:endParaRPr>
           </a:p>
           <a:p>
-            <a:pPr marL="285750" indent="-285750" fontAlgn="base">
-              <a:buFontTx/>
-              <a:buChar char="-"/>
-            </a:pPr>
-            <a:r>
-              <a:rPr lang="fr-CA" sz="1400">
-                <a:solidFill>
-                  <a:srgbClr val="333333"/>
-                </a:solidFill>
-                <a:latin typeface="Montserrat ExtraLight" panose="00000300000000000000" pitchFamily="50" charset="0"/>
-              </a:rPr>
-              <a:t>Find best split: each variable evaluation is independent</a:t>
-            </a:r>
+            <a:pPr fontAlgn="base"/>
+            <a:endParaRPr lang="en-CA" sz="1400">
+              <a:solidFill>
+                <a:srgbClr val="333333"/>
+              </a:solidFill>
+              <a:latin typeface="Montserrat ExtraLight" panose="00000300000000000000" pitchFamily="50" charset="0"/>
+            </a:endParaRPr>
           </a:p>
         </p:txBody>
       </p:sp>
@@ -12346,7 +11162,7 @@
         </p:blipFill>
         <p:spPr>
           <a:xfrm>
-            <a:off x="4979761" y="3758476"/>
+            <a:off x="4979761" y="4052961"/>
             <a:ext cx="3362777" cy="2241851"/>
           </a:xfrm>
           <a:prstGeom prst="rect">
@@ -12385,7 +11201,7 @@
         </p:blipFill>
         <p:spPr>
           <a:xfrm>
-            <a:off x="875537" y="3758476"/>
+            <a:off x="875537" y="4052960"/>
             <a:ext cx="3362777" cy="2241851"/>
           </a:xfrm>
           <a:prstGeom prst="rect">
@@ -12393,10 +11209,805 @@
           </a:prstGeom>
         </p:spPr>
       </p:pic>
+      <p:sp>
+        <p:nvSpPr>
+          <p:cNvPr id="3" name="Rectangle 2">
+            <a:extLst>
+              <a:ext uri="{FF2B5EF4-FFF2-40B4-BE49-F238E27FC236}">
+                <a16:creationId xmlns:a16="http://schemas.microsoft.com/office/drawing/2014/main" id="{072A44A3-C22D-434D-896C-C20758D75A2F}"/>
+              </a:ext>
+            </a:extLst>
+          </p:cNvPr>
+          <p:cNvSpPr/>
+          <p:nvPr/>
+        </p:nvSpPr>
+        <p:spPr>
+          <a:xfrm>
+            <a:off x="425452" y="3497798"/>
+            <a:ext cx="4451348" cy="461665"/>
+          </a:xfrm>
+          <a:prstGeom prst="rect">
+            <a:avLst/>
+          </a:prstGeom>
+          <a:solidFill>
+            <a:schemeClr val="bg1">
+              <a:lumMod val="95000"/>
+            </a:schemeClr>
+          </a:solidFill>
+        </p:spPr>
+        <p:txBody>
+          <a:bodyPr wrap="square">
+            <a:spAutoFit/>
+          </a:bodyPr>
+          <a:lstStyle/>
+          <a:p>
+            <a:r>
+              <a:rPr lang="fr-CA" sz="1200">
+                <a:solidFill>
+                  <a:srgbClr val="333333"/>
+                </a:solidFill>
+                <a:latin typeface="Courier New" panose="02070309020205020404" pitchFamily="49" charset="0"/>
+              </a:rPr>
+              <a:t>pred = -</a:t>
+            </a:r>
+            <a:r>
+              <a:rPr lang="el-GR" sz="1200">
+                <a:solidFill>
+                  <a:srgbClr val="333333"/>
+                </a:solidFill>
+                <a:latin typeface="Courier New" panose="02070309020205020404" pitchFamily="49" charset="0"/>
+              </a:rPr>
+              <a:t>η .* </a:t>
+            </a:r>
+            <a:r>
+              <a:rPr lang="fr-CA" sz="1200">
+                <a:solidFill>
+                  <a:srgbClr val="333333"/>
+                </a:solidFill>
+                <a:latin typeface="Courier New" panose="02070309020205020404" pitchFamily="49" charset="0"/>
+              </a:rPr>
+              <a:t>∑</a:t>
+            </a:r>
+            <a:r>
+              <a:rPr lang="el-GR" sz="1200">
+                <a:solidFill>
+                  <a:srgbClr val="333333"/>
+                </a:solidFill>
+                <a:latin typeface="Courier New" panose="02070309020205020404" pitchFamily="49" charset="0"/>
+              </a:rPr>
+              <a:t>δ ./ (</a:t>
+            </a:r>
+            <a:r>
+              <a:rPr lang="fr-CA" sz="1200">
+                <a:solidFill>
+                  <a:srgbClr val="333333"/>
+                </a:solidFill>
+                <a:latin typeface="Courier New" panose="02070309020205020404" pitchFamily="49" charset="0"/>
+              </a:rPr>
+              <a:t>∑</a:t>
+            </a:r>
+            <a:r>
+              <a:rPr lang="el-GR" sz="1200">
+                <a:solidFill>
+                  <a:srgbClr val="333333"/>
+                </a:solidFill>
+                <a:latin typeface="Courier New" panose="02070309020205020404" pitchFamily="49" charset="0"/>
+              </a:rPr>
+              <a:t>δ² .+ λ .* </a:t>
+            </a:r>
+            <a:r>
+              <a:rPr lang="fr-CA" sz="1200">
+                <a:solidFill>
+                  <a:srgbClr val="333333"/>
+                </a:solidFill>
+                <a:latin typeface="Courier New" panose="02070309020205020404" pitchFamily="49" charset="0"/>
+              </a:rPr>
+              <a:t>∑𝑤) </a:t>
+            </a:r>
+          </a:p>
+          <a:p>
+            <a:r>
+              <a:rPr lang="fr-CA" sz="1200">
+                <a:solidFill>
+                  <a:srgbClr val="333333"/>
+                </a:solidFill>
+                <a:latin typeface="Courier New" panose="02070309020205020404" pitchFamily="49" charset="0"/>
+              </a:rPr>
+              <a:t>gain = sum((∑</a:t>
+            </a:r>
+            <a:r>
+              <a:rPr lang="el-GR" sz="1200">
+                <a:solidFill>
+                  <a:srgbClr val="333333"/>
+                </a:solidFill>
+                <a:latin typeface="Courier New" panose="02070309020205020404" pitchFamily="49" charset="0"/>
+              </a:rPr>
+              <a:t>δ .^ </a:t>
+            </a:r>
+            <a:r>
+              <a:rPr lang="el-GR" sz="1200">
+                <a:solidFill>
+                  <a:srgbClr val="008080"/>
+                </a:solidFill>
+                <a:latin typeface="Courier New" panose="02070309020205020404" pitchFamily="49" charset="0"/>
+              </a:rPr>
+              <a:t>2</a:t>
+            </a:r>
+            <a:r>
+              <a:rPr lang="el-GR" sz="1200">
+                <a:solidFill>
+                  <a:srgbClr val="333333"/>
+                </a:solidFill>
+                <a:latin typeface="Courier New" panose="02070309020205020404" pitchFamily="49" charset="0"/>
+              </a:rPr>
+              <a:t> ./ (∑δ² .+ λ .* ∑𝑤)) ./ </a:t>
+            </a:r>
+            <a:r>
+              <a:rPr lang="el-GR" sz="1200">
+                <a:solidFill>
+                  <a:srgbClr val="008080"/>
+                </a:solidFill>
+                <a:latin typeface="Courier New" panose="02070309020205020404" pitchFamily="49" charset="0"/>
+              </a:rPr>
+              <a:t>2</a:t>
+            </a:r>
+            <a:endParaRPr lang="fr-CA" sz="1200"/>
+          </a:p>
+        </p:txBody>
+      </p:sp>
+      <p:sp>
+        <p:nvSpPr>
+          <p:cNvPr id="4" name="Rectangle 3">
+            <a:extLst>
+              <a:ext uri="{FF2B5EF4-FFF2-40B4-BE49-F238E27FC236}">
+                <a16:creationId xmlns:a16="http://schemas.microsoft.com/office/drawing/2014/main" id="{B1EDDF0C-3AA0-4163-896D-C0F7729D92F4}"/>
+              </a:ext>
+            </a:extLst>
+          </p:cNvPr>
+          <p:cNvSpPr/>
+          <p:nvPr/>
+        </p:nvSpPr>
+        <p:spPr>
+          <a:xfrm>
+            <a:off x="425452" y="2179814"/>
+            <a:ext cx="6235698" cy="1200329"/>
+          </a:xfrm>
+          <a:prstGeom prst="rect">
+            <a:avLst/>
+          </a:prstGeom>
+          <a:solidFill>
+            <a:schemeClr val="bg1">
+              <a:lumMod val="95000"/>
+            </a:schemeClr>
+          </a:solidFill>
+        </p:spPr>
+        <p:txBody>
+          <a:bodyPr wrap="square">
+            <a:spAutoFit/>
+          </a:bodyPr>
+          <a:lstStyle/>
+          <a:p>
+            <a:r>
+              <a:rPr lang="fr-CA" sz="1200">
+                <a:latin typeface="Courier New" panose="02070309020205020404" pitchFamily="49" charset="0"/>
+                <a:cs typeface="Courier New" panose="02070309020205020404" pitchFamily="49" charset="0"/>
+              </a:rPr>
+              <a:t>function update_grads!(loss::Linear, α, pred, target, δ, δ², 𝑤) </a:t>
+            </a:r>
+          </a:p>
+          <a:p>
+            <a:r>
+              <a:rPr lang="fr-CA" sz="1200">
+                <a:latin typeface="Courier New" panose="02070309020205020404" pitchFamily="49" charset="0"/>
+                <a:cs typeface="Courier New" panose="02070309020205020404" pitchFamily="49" charset="0"/>
+              </a:rPr>
+              <a:t>@inbounds for i in eachindex(δ)</a:t>
+            </a:r>
+          </a:p>
+          <a:p>
+            <a:r>
+              <a:rPr lang="fr-CA" sz="1200">
+                <a:latin typeface="Courier New" panose="02070309020205020404" pitchFamily="49" charset="0"/>
+                <a:cs typeface="Courier New" panose="02070309020205020404" pitchFamily="49" charset="0"/>
+              </a:rPr>
+              <a:t>        δ[i] = SVector(2 * (pred[i][1] - target[i]) * 𝑤[i][1])</a:t>
+            </a:r>
+          </a:p>
+          <a:p>
+            <a:r>
+              <a:rPr lang="fr-CA" sz="1200">
+                <a:latin typeface="Courier New" panose="02070309020205020404" pitchFamily="49" charset="0"/>
+                <a:cs typeface="Courier New" panose="02070309020205020404" pitchFamily="49" charset="0"/>
+              </a:rPr>
+              <a:t>        δ²[i] = SVector(2 * 𝑤[i][1])</a:t>
+            </a:r>
+          </a:p>
+          <a:p>
+            <a:r>
+              <a:rPr lang="fr-CA" sz="1200">
+                <a:latin typeface="Courier New" panose="02070309020205020404" pitchFamily="49" charset="0"/>
+                <a:cs typeface="Courier New" panose="02070309020205020404" pitchFamily="49" charset="0"/>
+              </a:rPr>
+              <a:t>    end</a:t>
+            </a:r>
+          </a:p>
+          <a:p>
+            <a:r>
+              <a:rPr lang="fr-CA" sz="1200">
+                <a:latin typeface="Courier New" panose="02070309020205020404" pitchFamily="49" charset="0"/>
+                <a:cs typeface="Courier New" panose="02070309020205020404" pitchFamily="49" charset="0"/>
+              </a:rPr>
+              <a:t>end</a:t>
+            </a:r>
+          </a:p>
+        </p:txBody>
+      </p:sp>
     </p:spTree>
     <p:extLst>
       <p:ext uri="{BB962C8B-B14F-4D97-AF65-F5344CB8AC3E}">
         <p14:creationId xmlns:p14="http://schemas.microsoft.com/office/powerpoint/2010/main" val="909168550"/>
+      </p:ext>
+    </p:extLst>
+  </p:cSld>
+  <p:clrMapOvr>
+    <a:masterClrMapping/>
+  </p:clrMapOvr>
+</p:sld>
+</file>
+
+<file path=ppt/slides/slide9.xml><?xml version="1.0" encoding="utf-8"?>
+<p:sld xmlns:a="http://schemas.openxmlformats.org/drawingml/2006/main" xmlns:r="http://schemas.openxmlformats.org/officeDocument/2006/relationships" xmlns:p="http://schemas.openxmlformats.org/presentationml/2006/main">
+  <p:cSld>
+    <p:spTree>
+      <p:nvGrpSpPr>
+        <p:cNvPr id="1" name=""/>
+        <p:cNvGrpSpPr/>
+        <p:nvPr/>
+      </p:nvGrpSpPr>
+      <p:grpSpPr>
+        <a:xfrm>
+          <a:off x="0" y="0"/>
+          <a:ext cx="0" cy="0"/>
+          <a:chOff x="0" y="0"/>
+          <a:chExt cx="0" cy="0"/>
+        </a:xfrm>
+      </p:grpSpPr>
+      <p:sp>
+        <p:nvSpPr>
+          <p:cNvPr id="2" name="Title 1">
+            <a:extLst>
+              <a:ext uri="{FF2B5EF4-FFF2-40B4-BE49-F238E27FC236}">
+                <a16:creationId xmlns:a16="http://schemas.microsoft.com/office/drawing/2014/main" id="{1ACB09F9-AEBB-4A2B-AA28-0208614D748F}"/>
+              </a:ext>
+            </a:extLst>
+          </p:cNvPr>
+          <p:cNvSpPr>
+            <a:spLocks noGrp="1"/>
+          </p:cNvSpPr>
+          <p:nvPr>
+            <p:ph type="title"/>
+            <p:custDataLst>
+              <p:tags r:id="rId1"/>
+            </p:custDataLst>
+          </p:nvPr>
+        </p:nvSpPr>
+        <p:spPr>
+          <a:xfrm>
+            <a:off x="314325" y="188537"/>
+            <a:ext cx="8404223" cy="1115654"/>
+          </a:xfrm>
+        </p:spPr>
+        <p:txBody>
+          <a:bodyPr>
+            <a:normAutofit/>
+          </a:bodyPr>
+          <a:lstStyle/>
+          <a:p>
+            <a:r>
+              <a:rPr lang="en-CA" sz="3200">
+                <a:solidFill>
+                  <a:srgbClr val="033572"/>
+                </a:solidFill>
+                <a:latin typeface="Montserrat ExtraLight" panose="00000300000000000000" pitchFamily="50" charset="0"/>
+                <a:ea typeface="Yu Gothic UI Light" panose="020B0300000000000000" pitchFamily="34" charset="-128"/>
+              </a:rPr>
+              <a:t>Lightweight R Port</a:t>
+            </a:r>
+            <a:endParaRPr lang="en-CA" sz="3200" dirty="0">
+              <a:solidFill>
+                <a:srgbClr val="033572"/>
+              </a:solidFill>
+              <a:latin typeface="Montserrat ExtraLight" panose="00000300000000000000" pitchFamily="50" charset="0"/>
+              <a:ea typeface="Yu Gothic UI Light" panose="020B0300000000000000" pitchFamily="34" charset="-128"/>
+            </a:endParaRPr>
+          </a:p>
+        </p:txBody>
+      </p:sp>
+      <p:sp>
+        <p:nvSpPr>
+          <p:cNvPr id="32" name="Rectangle: Single Corner Snipped 31">
+            <a:extLst>
+              <a:ext uri="{FF2B5EF4-FFF2-40B4-BE49-F238E27FC236}">
+                <a16:creationId xmlns:a16="http://schemas.microsoft.com/office/drawing/2014/main" id="{D40DB3D4-D8CE-4C73-86B3-C8C8851414AB}"/>
+              </a:ext>
+            </a:extLst>
+          </p:cNvPr>
+          <p:cNvSpPr/>
+          <p:nvPr>
+            <p:custDataLst>
+              <p:tags r:id="rId2"/>
+            </p:custDataLst>
+          </p:nvPr>
+        </p:nvSpPr>
+        <p:spPr>
+          <a:xfrm>
+            <a:off x="425452" y="1256427"/>
+            <a:ext cx="2131480" cy="97815"/>
+          </a:xfrm>
+          <a:prstGeom prst="snip1Rect">
+            <a:avLst/>
+          </a:prstGeom>
+          <a:solidFill>
+            <a:srgbClr val="033572"/>
+          </a:solidFill>
+          <a:ln>
+            <a:noFill/>
+          </a:ln>
+        </p:spPr>
+        <p:style>
+          <a:lnRef idx="2">
+            <a:schemeClr val="accent1">
+              <a:shade val="50000"/>
+            </a:schemeClr>
+          </a:lnRef>
+          <a:fillRef idx="1">
+            <a:schemeClr val="accent1"/>
+          </a:fillRef>
+          <a:effectRef idx="0">
+            <a:schemeClr val="accent1"/>
+          </a:effectRef>
+          <a:fontRef idx="minor">
+            <a:schemeClr val="lt1"/>
+          </a:fontRef>
+        </p:style>
+        <p:txBody>
+          <a:bodyPr rtlCol="0" anchor="ctr"/>
+          <a:lstStyle/>
+          <a:p>
+            <a:pPr algn="ctr"/>
+            <a:endParaRPr lang="en-CA"/>
+          </a:p>
+        </p:txBody>
+      </p:sp>
+      <p:sp>
+        <p:nvSpPr>
+          <p:cNvPr id="34" name="Rectangle: Diagonal Corners Snipped 33">
+            <a:extLst>
+              <a:ext uri="{FF2B5EF4-FFF2-40B4-BE49-F238E27FC236}">
+                <a16:creationId xmlns:a16="http://schemas.microsoft.com/office/drawing/2014/main" id="{0EDCC121-8CEE-4796-B537-5AD521688016}"/>
+              </a:ext>
+            </a:extLst>
+          </p:cNvPr>
+          <p:cNvSpPr/>
+          <p:nvPr>
+            <p:custDataLst>
+              <p:tags r:id="rId3"/>
+            </p:custDataLst>
+          </p:nvPr>
+        </p:nvSpPr>
+        <p:spPr>
+          <a:xfrm rot="10800000">
+            <a:off x="2556926" y="6393092"/>
+            <a:ext cx="6161617" cy="45719"/>
+          </a:xfrm>
+          <a:prstGeom prst="snip2DiagRect">
+            <a:avLst/>
+          </a:prstGeom>
+          <a:solidFill>
+            <a:srgbClr val="033572"/>
+          </a:solidFill>
+          <a:ln>
+            <a:noFill/>
+          </a:ln>
+        </p:spPr>
+        <p:style>
+          <a:lnRef idx="2">
+            <a:schemeClr val="accent1">
+              <a:shade val="50000"/>
+            </a:schemeClr>
+          </a:lnRef>
+          <a:fillRef idx="1">
+            <a:schemeClr val="accent1"/>
+          </a:fillRef>
+          <a:effectRef idx="0">
+            <a:schemeClr val="accent1"/>
+          </a:effectRef>
+          <a:fontRef idx="minor">
+            <a:schemeClr val="lt1"/>
+          </a:fontRef>
+        </p:style>
+        <p:txBody>
+          <a:bodyPr rtlCol="0" anchor="ctr"/>
+          <a:lstStyle/>
+          <a:p>
+            <a:pPr algn="ctr"/>
+            <a:endParaRPr lang="en-CA"/>
+          </a:p>
+        </p:txBody>
+      </p:sp>
+      <p:sp>
+        <p:nvSpPr>
+          <p:cNvPr id="37" name="Slide Number Placeholder 36">
+            <a:extLst>
+              <a:ext uri="{FF2B5EF4-FFF2-40B4-BE49-F238E27FC236}">
+                <a16:creationId xmlns:a16="http://schemas.microsoft.com/office/drawing/2014/main" id="{3FAEF380-641A-4A55-B1BC-97733D15A88A}"/>
+              </a:ext>
+            </a:extLst>
+          </p:cNvPr>
+          <p:cNvSpPr>
+            <a:spLocks noGrp="1"/>
+          </p:cNvSpPr>
+          <p:nvPr>
+            <p:ph type="sldNum" sz="quarter" idx="12"/>
+            <p:custDataLst>
+              <p:tags r:id="rId4"/>
+            </p:custDataLst>
+          </p:nvPr>
+        </p:nvSpPr>
+        <p:spPr>
+          <a:xfrm>
+            <a:off x="6661150" y="6438815"/>
+            <a:ext cx="2057400" cy="365125"/>
+          </a:xfrm>
+        </p:spPr>
+        <p:txBody>
+          <a:bodyPr/>
+          <a:lstStyle/>
+          <a:p>
+            <a:fld id="{F8F2F176-31C6-47A3-A156-EEB678E90E74}" type="slidenum">
+              <a:rPr lang="en-CA" sz="1000" smtClean="0">
+                <a:solidFill>
+                  <a:schemeClr val="tx1">
+                    <a:lumMod val="65000"/>
+                    <a:lumOff val="35000"/>
+                  </a:schemeClr>
+                </a:solidFill>
+                <a:latin typeface="Montserrat Medium" panose="00000600000000000000" pitchFamily="2" charset="0"/>
+              </a:rPr>
+              <a:t>9</a:t>
+            </a:fld>
+            <a:endParaRPr lang="en-CA" sz="1000" dirty="0">
+              <a:solidFill>
+                <a:schemeClr val="tx1">
+                  <a:lumMod val="65000"/>
+                  <a:lumOff val="35000"/>
+                </a:schemeClr>
+              </a:solidFill>
+              <a:latin typeface="Montserrat Medium" panose="00000600000000000000" pitchFamily="2" charset="0"/>
+            </a:endParaRPr>
+          </a:p>
+        </p:txBody>
+      </p:sp>
+      <p:pic>
+        <p:nvPicPr>
+          <p:cNvPr id="16" name="Picture 15">
+            <a:extLst>
+              <a:ext uri="{FF2B5EF4-FFF2-40B4-BE49-F238E27FC236}">
+                <a16:creationId xmlns:a16="http://schemas.microsoft.com/office/drawing/2014/main" id="{8F4F840C-C6E5-4988-A139-292BDBC5B012}"/>
+              </a:ext>
+            </a:extLst>
+          </p:cNvPr>
+          <p:cNvPicPr>
+            <a:picLocks noChangeAspect="1"/>
+          </p:cNvPicPr>
+          <p:nvPr>
+            <p:custDataLst>
+              <p:tags r:id="rId5"/>
+            </p:custDataLst>
+          </p:nvPr>
+        </p:nvPicPr>
+        <p:blipFill>
+          <a:blip r:embed="rId8">
+            <a:extLst>
+              <a:ext uri="{28A0092B-C50C-407E-A947-70E740481C1C}">
+                <a14:useLocalDpi xmlns:a14="http://schemas.microsoft.com/office/drawing/2010/main" val="0"/>
+              </a:ext>
+            </a:extLst>
+          </a:blip>
+          <a:stretch>
+            <a:fillRect/>
+          </a:stretch>
+        </p:blipFill>
+        <p:spPr>
+          <a:xfrm>
+            <a:off x="2573866" y="6538913"/>
+            <a:ext cx="1506045" cy="164931"/>
+          </a:xfrm>
+          <a:prstGeom prst="rect">
+            <a:avLst/>
+          </a:prstGeom>
+        </p:spPr>
+      </p:pic>
+      <p:sp>
+        <p:nvSpPr>
+          <p:cNvPr id="6" name="Rectangle 5">
+            <a:extLst>
+              <a:ext uri="{FF2B5EF4-FFF2-40B4-BE49-F238E27FC236}">
+                <a16:creationId xmlns:a16="http://schemas.microsoft.com/office/drawing/2014/main" id="{E61CEB60-03B2-4D64-960F-E4B7EDE54EA5}"/>
+              </a:ext>
+            </a:extLst>
+          </p:cNvPr>
+          <p:cNvSpPr/>
+          <p:nvPr/>
+        </p:nvSpPr>
+        <p:spPr>
+          <a:xfrm>
+            <a:off x="427478" y="2771902"/>
+            <a:ext cx="4144522" cy="1015663"/>
+          </a:xfrm>
+          <a:prstGeom prst="rect">
+            <a:avLst/>
+          </a:prstGeom>
+          <a:solidFill>
+            <a:schemeClr val="bg1">
+              <a:lumMod val="95000"/>
+            </a:schemeClr>
+          </a:solidFill>
+        </p:spPr>
+        <p:txBody>
+          <a:bodyPr wrap="square">
+            <a:spAutoFit/>
+          </a:bodyPr>
+          <a:lstStyle/>
+          <a:p>
+            <a:r>
+              <a:rPr lang="fr-CA" sz="1200">
+                <a:latin typeface="Courier New" panose="02070309020205020404" pitchFamily="49" charset="0"/>
+                <a:cs typeface="Courier New" panose="02070309020205020404" pitchFamily="49" charset="0"/>
+              </a:rPr>
+              <a:t>.onLoad &lt;- function(libname, pkgname) {</a:t>
+            </a:r>
+          </a:p>
+          <a:p>
+            <a:r>
+              <a:rPr lang="fr-CA" sz="1200">
+                <a:latin typeface="Courier New" panose="02070309020205020404" pitchFamily="49" charset="0"/>
+                <a:cs typeface="Courier New" panose="02070309020205020404" pitchFamily="49" charset="0"/>
+              </a:rPr>
+              <a:t>  library(JuliaCall)</a:t>
+            </a:r>
+          </a:p>
+          <a:p>
+            <a:r>
+              <a:rPr lang="fr-CA" sz="1200">
+                <a:latin typeface="Courier New" panose="02070309020205020404" pitchFamily="49" charset="0"/>
+                <a:cs typeface="Courier New" panose="02070309020205020404" pitchFamily="49" charset="0"/>
+              </a:rPr>
+              <a:t>  JuliaCall::julia_setup()</a:t>
+            </a:r>
+          </a:p>
+          <a:p>
+            <a:r>
+              <a:rPr lang="fr-CA" sz="1200">
+                <a:latin typeface="Courier New" panose="02070309020205020404" pitchFamily="49" charset="0"/>
+                <a:cs typeface="Courier New" panose="02070309020205020404" pitchFamily="49" charset="0"/>
+              </a:rPr>
+              <a:t>  JuliaCall::julia_library("EvoTrees")</a:t>
+            </a:r>
+          </a:p>
+          <a:p>
+            <a:r>
+              <a:rPr lang="fr-CA" sz="1200">
+                <a:latin typeface="Courier New" panose="02070309020205020404" pitchFamily="49" charset="0"/>
+                <a:cs typeface="Courier New" panose="02070309020205020404" pitchFamily="49" charset="0"/>
+              </a:rPr>
+              <a:t>}</a:t>
+            </a:r>
+          </a:p>
+        </p:txBody>
+      </p:sp>
+      <p:sp>
+        <p:nvSpPr>
+          <p:cNvPr id="8" name="Rectangle 7">
+            <a:extLst>
+              <a:ext uri="{FF2B5EF4-FFF2-40B4-BE49-F238E27FC236}">
+                <a16:creationId xmlns:a16="http://schemas.microsoft.com/office/drawing/2014/main" id="{48F5EBE9-3560-41F4-9F5D-F58D3C431E2C}"/>
+              </a:ext>
+            </a:extLst>
+          </p:cNvPr>
+          <p:cNvSpPr/>
+          <p:nvPr/>
+        </p:nvSpPr>
+        <p:spPr>
+          <a:xfrm>
+            <a:off x="425451" y="4467519"/>
+            <a:ext cx="8187325" cy="1200329"/>
+          </a:xfrm>
+          <a:prstGeom prst="rect">
+            <a:avLst/>
+          </a:prstGeom>
+          <a:solidFill>
+            <a:schemeClr val="bg1">
+              <a:lumMod val="95000"/>
+            </a:schemeClr>
+          </a:solidFill>
+        </p:spPr>
+        <p:txBody>
+          <a:bodyPr wrap="square">
+            <a:spAutoFit/>
+          </a:bodyPr>
+          <a:lstStyle/>
+          <a:p>
+            <a:r>
+              <a:rPr lang="fr-CA" sz="1200">
+                <a:latin typeface="Courier New" panose="02070309020205020404" pitchFamily="49" charset="0"/>
+                <a:cs typeface="Courier New" panose="02070309020205020404" pitchFamily="49" charset="0"/>
+              </a:rPr>
+              <a:t>evo_train &lt;- function(data_train, target_train, params=set_params(), ...) {</a:t>
+            </a:r>
+          </a:p>
+          <a:p>
+            <a:r>
+              <a:rPr lang="fr-CA" sz="1200">
+                <a:latin typeface="Courier New" panose="02070309020205020404" pitchFamily="49" charset="0"/>
+                <a:cs typeface="Courier New" panose="02070309020205020404" pitchFamily="49" charset="0"/>
+              </a:rPr>
+              <a:t>  params &lt;- do.call(set_params, params)</a:t>
+            </a:r>
+          </a:p>
+          <a:p>
+            <a:r>
+              <a:rPr lang="fr-CA" sz="1200">
+                <a:latin typeface="Courier New" panose="02070309020205020404" pitchFamily="49" charset="0"/>
+                <a:cs typeface="Courier New" panose="02070309020205020404" pitchFamily="49" charset="0"/>
+              </a:rPr>
+              <a:t>  model &lt;- JuliaCall::julia_call("fit_evotree", params, data_train, target_train, ..., 						   need_return = "Julia")</a:t>
+            </a:r>
+          </a:p>
+          <a:p>
+            <a:r>
+              <a:rPr lang="fr-CA" sz="1200">
+                <a:latin typeface="Courier New" panose="02070309020205020404" pitchFamily="49" charset="0"/>
+                <a:cs typeface="Courier New" panose="02070309020205020404" pitchFamily="49" charset="0"/>
+              </a:rPr>
+              <a:t>  return(model)</a:t>
+            </a:r>
+          </a:p>
+          <a:p>
+            <a:r>
+              <a:rPr lang="fr-CA" sz="1200">
+                <a:latin typeface="Courier New" panose="02070309020205020404" pitchFamily="49" charset="0"/>
+                <a:cs typeface="Courier New" panose="02070309020205020404" pitchFamily="49" charset="0"/>
+              </a:rPr>
+              <a:t>}</a:t>
+            </a:r>
+          </a:p>
+        </p:txBody>
+      </p:sp>
+      <p:sp>
+        <p:nvSpPr>
+          <p:cNvPr id="9" name="TextBox 8">
+            <a:extLst>
+              <a:ext uri="{FF2B5EF4-FFF2-40B4-BE49-F238E27FC236}">
+                <a16:creationId xmlns:a16="http://schemas.microsoft.com/office/drawing/2014/main" id="{91D1F87B-0A34-4CFE-9D1C-B5E7412808E7}"/>
+              </a:ext>
+            </a:extLst>
+          </p:cNvPr>
+          <p:cNvSpPr txBox="1"/>
+          <p:nvPr/>
+        </p:nvSpPr>
+        <p:spPr>
+          <a:xfrm>
+            <a:off x="425451" y="2406937"/>
+            <a:ext cx="1681871" cy="276999"/>
+          </a:xfrm>
+          <a:prstGeom prst="rect">
+            <a:avLst/>
+          </a:prstGeom>
+          <a:noFill/>
+        </p:spPr>
+        <p:txBody>
+          <a:bodyPr wrap="none" rtlCol="0">
+            <a:spAutoFit/>
+          </a:bodyPr>
+          <a:lstStyle/>
+          <a:p>
+            <a:r>
+              <a:rPr lang="en-CA" sz="1200">
+                <a:latin typeface="Montserrat" panose="00000500000000000000" pitchFamily="50" charset="0"/>
+              </a:rPr>
+              <a:t>Initialization (zzz.R)</a:t>
+            </a:r>
+            <a:endParaRPr lang="fr-CA" sz="1200">
+              <a:latin typeface="Montserrat" panose="00000500000000000000" pitchFamily="50" charset="0"/>
+            </a:endParaRPr>
+          </a:p>
+        </p:txBody>
+      </p:sp>
+      <p:sp>
+        <p:nvSpPr>
+          <p:cNvPr id="14" name="TextBox 13">
+            <a:extLst>
+              <a:ext uri="{FF2B5EF4-FFF2-40B4-BE49-F238E27FC236}">
+                <a16:creationId xmlns:a16="http://schemas.microsoft.com/office/drawing/2014/main" id="{77C8A68D-88A3-4038-AB7E-824F8B478878}"/>
+              </a:ext>
+            </a:extLst>
+          </p:cNvPr>
+          <p:cNvSpPr txBox="1"/>
+          <p:nvPr/>
+        </p:nvSpPr>
+        <p:spPr>
+          <a:xfrm>
+            <a:off x="425451" y="4098184"/>
+            <a:ext cx="2776722" cy="276999"/>
+          </a:xfrm>
+          <a:prstGeom prst="rect">
+            <a:avLst/>
+          </a:prstGeom>
+          <a:noFill/>
+        </p:spPr>
+        <p:txBody>
+          <a:bodyPr wrap="none" rtlCol="0">
+            <a:spAutoFit/>
+          </a:bodyPr>
+          <a:lstStyle/>
+          <a:p>
+            <a:r>
+              <a:rPr lang="en-CA" sz="1200">
+                <a:latin typeface="Montserrat" panose="00000500000000000000" pitchFamily="50" charset="0"/>
+              </a:rPr>
+              <a:t>Wrap the fit_evotree core routine:</a:t>
+            </a:r>
+            <a:endParaRPr lang="fr-CA" sz="1200">
+              <a:latin typeface="Montserrat" panose="00000500000000000000" pitchFamily="50" charset="0"/>
+            </a:endParaRPr>
+          </a:p>
+        </p:txBody>
+      </p:sp>
+      <p:sp>
+        <p:nvSpPr>
+          <p:cNvPr id="10" name="TextBox 9">
+            <a:extLst>
+              <a:ext uri="{FF2B5EF4-FFF2-40B4-BE49-F238E27FC236}">
+                <a16:creationId xmlns:a16="http://schemas.microsoft.com/office/drawing/2014/main" id="{52DE749F-76F4-4931-AD0A-7B824A98D56F}"/>
+              </a:ext>
+            </a:extLst>
+          </p:cNvPr>
+          <p:cNvSpPr txBox="1"/>
+          <p:nvPr/>
+        </p:nvSpPr>
+        <p:spPr>
+          <a:xfrm>
+            <a:off x="425451" y="1785257"/>
+            <a:ext cx="8293091" cy="307777"/>
+          </a:xfrm>
+          <a:prstGeom prst="rect">
+            <a:avLst/>
+          </a:prstGeom>
+          <a:noFill/>
+        </p:spPr>
+        <p:txBody>
+          <a:bodyPr wrap="square" rtlCol="0">
+            <a:spAutoFit/>
+          </a:bodyPr>
+          <a:lstStyle/>
+          <a:p>
+            <a:r>
+              <a:rPr lang="en-CA" sz="1400">
+                <a:latin typeface="Montserrat ExtraLight" panose="00000300000000000000" pitchFamily="50" charset="0"/>
+              </a:rPr>
+              <a:t>Thanks to JuliaCall, wrapping a Julia library into a R package requires very minimal efforts.</a:t>
+            </a:r>
+            <a:endParaRPr lang="fr-CA" sz="1400">
+              <a:latin typeface="Montserrat ExtraLight" panose="00000300000000000000" pitchFamily="50" charset="0"/>
+            </a:endParaRPr>
+          </a:p>
+        </p:txBody>
+      </p:sp>
+    </p:spTree>
+    <p:extLst>
+      <p:ext uri="{BB962C8B-B14F-4D97-AF65-F5344CB8AC3E}">
+        <p14:creationId xmlns:p14="http://schemas.microsoft.com/office/powerpoint/2010/main" val="769049177"/>
       </p:ext>
     </p:extLst>
   </p:cSld>
@@ -12414,61 +12025,61 @@
 
 <file path=ppt/tags/tag10.xml><?xml version="1.0" encoding="utf-8"?>
 <p:tagLst xmlns:a="http://schemas.openxmlformats.org/drawingml/2006/main" xmlns:r="http://schemas.openxmlformats.org/officeDocument/2006/relationships" xmlns:p="http://schemas.openxmlformats.org/presentationml/2006/main">
-  <p:tag name="NUM" val="8"/>
+  <p:tag name="NUM" val="2"/>
 </p:tagLst>
 </file>
 
 <file path=ppt/tags/tag11.xml><?xml version="1.0" encoding="utf-8"?>
 <p:tagLst xmlns:a="http://schemas.openxmlformats.org/drawingml/2006/main" xmlns:r="http://schemas.openxmlformats.org/officeDocument/2006/relationships" xmlns:p="http://schemas.openxmlformats.org/presentationml/2006/main">
-  <p:tag name="NUM" val="1"/>
+  <p:tag name="NUM" val="3"/>
 </p:tagLst>
 </file>
 
 <file path=ppt/tags/tag12.xml><?xml version="1.0" encoding="utf-8"?>
 <p:tagLst xmlns:a="http://schemas.openxmlformats.org/drawingml/2006/main" xmlns:r="http://schemas.openxmlformats.org/officeDocument/2006/relationships" xmlns:p="http://schemas.openxmlformats.org/presentationml/2006/main">
-  <p:tag name="NUM" val="2"/>
+  <p:tag name="NUM" val="4"/>
 </p:tagLst>
 </file>
 
 <file path=ppt/tags/tag13.xml><?xml version="1.0" encoding="utf-8"?>
 <p:tagLst xmlns:a="http://schemas.openxmlformats.org/drawingml/2006/main" xmlns:r="http://schemas.openxmlformats.org/officeDocument/2006/relationships" xmlns:p="http://schemas.openxmlformats.org/presentationml/2006/main">
-  <p:tag name="NUM" val="3"/>
+  <p:tag name="NUM" val="5"/>
 </p:tagLst>
 </file>
 
 <file path=ppt/tags/tag14.xml><?xml version="1.0" encoding="utf-8"?>
 <p:tagLst xmlns:a="http://schemas.openxmlformats.org/drawingml/2006/main" xmlns:r="http://schemas.openxmlformats.org/officeDocument/2006/relationships" xmlns:p="http://schemas.openxmlformats.org/presentationml/2006/main">
-  <p:tag name="NUM" val="4"/>
+  <p:tag name="NUM" val="1"/>
 </p:tagLst>
 </file>
 
 <file path=ppt/tags/tag15.xml><?xml version="1.0" encoding="utf-8"?>
 <p:tagLst xmlns:a="http://schemas.openxmlformats.org/drawingml/2006/main" xmlns:r="http://schemas.openxmlformats.org/officeDocument/2006/relationships" xmlns:p="http://schemas.openxmlformats.org/presentationml/2006/main">
-  <p:tag name="NUM" val="5"/>
+  <p:tag name="NUM" val="2"/>
 </p:tagLst>
 </file>
 
 <file path=ppt/tags/tag16.xml><?xml version="1.0" encoding="utf-8"?>
 <p:tagLst xmlns:a="http://schemas.openxmlformats.org/drawingml/2006/main" xmlns:r="http://schemas.openxmlformats.org/officeDocument/2006/relationships" xmlns:p="http://schemas.openxmlformats.org/presentationml/2006/main">
-  <p:tag name="NUM" val="1"/>
+  <p:tag name="NUM" val="3"/>
 </p:tagLst>
 </file>
 
 <file path=ppt/tags/tag17.xml><?xml version="1.0" encoding="utf-8"?>
 <p:tagLst xmlns:a="http://schemas.openxmlformats.org/drawingml/2006/main" xmlns:r="http://schemas.openxmlformats.org/officeDocument/2006/relationships" xmlns:p="http://schemas.openxmlformats.org/presentationml/2006/main">
-  <p:tag name="NUM" val="2"/>
+  <p:tag name="NUM" val="4"/>
 </p:tagLst>
 </file>
 
 <file path=ppt/tags/tag18.xml><?xml version="1.0" encoding="utf-8"?>
 <p:tagLst xmlns:a="http://schemas.openxmlformats.org/drawingml/2006/main" xmlns:r="http://schemas.openxmlformats.org/officeDocument/2006/relationships" xmlns:p="http://schemas.openxmlformats.org/presentationml/2006/main">
-  <p:tag name="NUM" val="3"/>
+  <p:tag name="NUM" val="5"/>
 </p:tagLst>
 </file>
 
 <file path=ppt/tags/tag19.xml><?xml version="1.0" encoding="utf-8"?>
 <p:tagLst xmlns:a="http://schemas.openxmlformats.org/drawingml/2006/main" xmlns:r="http://schemas.openxmlformats.org/officeDocument/2006/relationships" xmlns:p="http://schemas.openxmlformats.org/presentationml/2006/main">
-  <p:tag name="NUM" val="4"/>
+  <p:tag name="NUM" val="1"/>
 </p:tagLst>
 </file>
 
@@ -12480,61 +12091,61 @@
 
 <file path=ppt/tags/tag20.xml><?xml version="1.0" encoding="utf-8"?>
 <p:tagLst xmlns:a="http://schemas.openxmlformats.org/drawingml/2006/main" xmlns:r="http://schemas.openxmlformats.org/officeDocument/2006/relationships" xmlns:p="http://schemas.openxmlformats.org/presentationml/2006/main">
-  <p:tag name="NUM" val="5"/>
+  <p:tag name="NUM" val="2"/>
 </p:tagLst>
 </file>
 
 <file path=ppt/tags/tag21.xml><?xml version="1.0" encoding="utf-8"?>
 <p:tagLst xmlns:a="http://schemas.openxmlformats.org/drawingml/2006/main" xmlns:r="http://schemas.openxmlformats.org/officeDocument/2006/relationships" xmlns:p="http://schemas.openxmlformats.org/presentationml/2006/main">
-  <p:tag name="NUM" val="1"/>
+  <p:tag name="NUM" val="3"/>
 </p:tagLst>
 </file>
 
 <file path=ppt/tags/tag22.xml><?xml version="1.0" encoding="utf-8"?>
 <p:tagLst xmlns:a="http://schemas.openxmlformats.org/drawingml/2006/main" xmlns:r="http://schemas.openxmlformats.org/officeDocument/2006/relationships" xmlns:p="http://schemas.openxmlformats.org/presentationml/2006/main">
-  <p:tag name="NUM" val="2"/>
+  <p:tag name="NUM" val="4"/>
 </p:tagLst>
 </file>
 
 <file path=ppt/tags/tag23.xml><?xml version="1.0" encoding="utf-8"?>
 <p:tagLst xmlns:a="http://schemas.openxmlformats.org/drawingml/2006/main" xmlns:r="http://schemas.openxmlformats.org/officeDocument/2006/relationships" xmlns:p="http://schemas.openxmlformats.org/presentationml/2006/main">
-  <p:tag name="NUM" val="3"/>
+  <p:tag name="NUM" val="5"/>
 </p:tagLst>
 </file>
 
 <file path=ppt/tags/tag24.xml><?xml version="1.0" encoding="utf-8"?>
 <p:tagLst xmlns:a="http://schemas.openxmlformats.org/drawingml/2006/main" xmlns:r="http://schemas.openxmlformats.org/officeDocument/2006/relationships" xmlns:p="http://schemas.openxmlformats.org/presentationml/2006/main">
-  <p:tag name="NUM" val="4"/>
+  <p:tag name="NUM" val="1"/>
 </p:tagLst>
 </file>
 
 <file path=ppt/tags/tag25.xml><?xml version="1.0" encoding="utf-8"?>
 <p:tagLst xmlns:a="http://schemas.openxmlformats.org/drawingml/2006/main" xmlns:r="http://schemas.openxmlformats.org/officeDocument/2006/relationships" xmlns:p="http://schemas.openxmlformats.org/presentationml/2006/main">
-  <p:tag name="NUM" val="5"/>
+  <p:tag name="NUM" val="2"/>
 </p:tagLst>
 </file>
 
 <file path=ppt/tags/tag26.xml><?xml version="1.0" encoding="utf-8"?>
 <p:tagLst xmlns:a="http://schemas.openxmlformats.org/drawingml/2006/main" xmlns:r="http://schemas.openxmlformats.org/officeDocument/2006/relationships" xmlns:p="http://schemas.openxmlformats.org/presentationml/2006/main">
-  <p:tag name="NUM" val="1"/>
+  <p:tag name="NUM" val="3"/>
 </p:tagLst>
 </file>
 
 <file path=ppt/tags/tag27.xml><?xml version="1.0" encoding="utf-8"?>
 <p:tagLst xmlns:a="http://schemas.openxmlformats.org/drawingml/2006/main" xmlns:r="http://schemas.openxmlformats.org/officeDocument/2006/relationships" xmlns:p="http://schemas.openxmlformats.org/presentationml/2006/main">
-  <p:tag name="NUM" val="2"/>
+  <p:tag name="NUM" val="4"/>
 </p:tagLst>
 </file>
 
 <file path=ppt/tags/tag28.xml><?xml version="1.0" encoding="utf-8"?>
 <p:tagLst xmlns:a="http://schemas.openxmlformats.org/drawingml/2006/main" xmlns:r="http://schemas.openxmlformats.org/officeDocument/2006/relationships" xmlns:p="http://schemas.openxmlformats.org/presentationml/2006/main">
-  <p:tag name="NUM" val="3"/>
+  <p:tag name="NUM" val="5"/>
 </p:tagLst>
 </file>
 
 <file path=ppt/tags/tag29.xml><?xml version="1.0" encoding="utf-8"?>
 <p:tagLst xmlns:a="http://schemas.openxmlformats.org/drawingml/2006/main" xmlns:r="http://schemas.openxmlformats.org/officeDocument/2006/relationships" xmlns:p="http://schemas.openxmlformats.org/presentationml/2006/main">
-  <p:tag name="NUM" val="4"/>
+  <p:tag name="NUM" val="1"/>
 </p:tagLst>
 </file>
 
@@ -12546,61 +12157,61 @@
 
 <file path=ppt/tags/tag30.xml><?xml version="1.0" encoding="utf-8"?>
 <p:tagLst xmlns:a="http://schemas.openxmlformats.org/drawingml/2006/main" xmlns:r="http://schemas.openxmlformats.org/officeDocument/2006/relationships" xmlns:p="http://schemas.openxmlformats.org/presentationml/2006/main">
-  <p:tag name="NUM" val="5"/>
+  <p:tag name="NUM" val="2"/>
 </p:tagLst>
 </file>
 
 <file path=ppt/tags/tag31.xml><?xml version="1.0" encoding="utf-8"?>
 <p:tagLst xmlns:a="http://schemas.openxmlformats.org/drawingml/2006/main" xmlns:r="http://schemas.openxmlformats.org/officeDocument/2006/relationships" xmlns:p="http://schemas.openxmlformats.org/presentationml/2006/main">
-  <p:tag name="NUM" val="1"/>
+  <p:tag name="NUM" val="3"/>
 </p:tagLst>
 </file>
 
 <file path=ppt/tags/tag32.xml><?xml version="1.0" encoding="utf-8"?>
 <p:tagLst xmlns:a="http://schemas.openxmlformats.org/drawingml/2006/main" xmlns:r="http://schemas.openxmlformats.org/officeDocument/2006/relationships" xmlns:p="http://schemas.openxmlformats.org/presentationml/2006/main">
-  <p:tag name="NUM" val="2"/>
+  <p:tag name="NUM" val="4"/>
 </p:tagLst>
 </file>
 
 <file path=ppt/tags/tag33.xml><?xml version="1.0" encoding="utf-8"?>
 <p:tagLst xmlns:a="http://schemas.openxmlformats.org/drawingml/2006/main" xmlns:r="http://schemas.openxmlformats.org/officeDocument/2006/relationships" xmlns:p="http://schemas.openxmlformats.org/presentationml/2006/main">
-  <p:tag name="NUM" val="3"/>
+  <p:tag name="NUM" val="5"/>
 </p:tagLst>
 </file>
 
 <file path=ppt/tags/tag34.xml><?xml version="1.0" encoding="utf-8"?>
 <p:tagLst xmlns:a="http://schemas.openxmlformats.org/drawingml/2006/main" xmlns:r="http://schemas.openxmlformats.org/officeDocument/2006/relationships" xmlns:p="http://schemas.openxmlformats.org/presentationml/2006/main">
-  <p:tag name="NUM" val="4"/>
+  <p:tag name="NUM" val="1"/>
 </p:tagLst>
 </file>
 
 <file path=ppt/tags/tag35.xml><?xml version="1.0" encoding="utf-8"?>
 <p:tagLst xmlns:a="http://schemas.openxmlformats.org/drawingml/2006/main" xmlns:r="http://schemas.openxmlformats.org/officeDocument/2006/relationships" xmlns:p="http://schemas.openxmlformats.org/presentationml/2006/main">
-  <p:tag name="NUM" val="5"/>
+  <p:tag name="NUM" val="2"/>
 </p:tagLst>
 </file>
 
 <file path=ppt/tags/tag36.xml><?xml version="1.0" encoding="utf-8"?>
 <p:tagLst xmlns:a="http://schemas.openxmlformats.org/drawingml/2006/main" xmlns:r="http://schemas.openxmlformats.org/officeDocument/2006/relationships" xmlns:p="http://schemas.openxmlformats.org/presentationml/2006/main">
-  <p:tag name="NUM" val="1"/>
+  <p:tag name="NUM" val="3"/>
 </p:tagLst>
 </file>
 
 <file path=ppt/tags/tag37.xml><?xml version="1.0" encoding="utf-8"?>
 <p:tagLst xmlns:a="http://schemas.openxmlformats.org/drawingml/2006/main" xmlns:r="http://schemas.openxmlformats.org/officeDocument/2006/relationships" xmlns:p="http://schemas.openxmlformats.org/presentationml/2006/main">
-  <p:tag name="NUM" val="2"/>
+  <p:tag name="NUM" val="4"/>
 </p:tagLst>
 </file>
 
 <file path=ppt/tags/tag38.xml><?xml version="1.0" encoding="utf-8"?>
 <p:tagLst xmlns:a="http://schemas.openxmlformats.org/drawingml/2006/main" xmlns:r="http://schemas.openxmlformats.org/officeDocument/2006/relationships" xmlns:p="http://schemas.openxmlformats.org/presentationml/2006/main">
-  <p:tag name="NUM" val="3"/>
+  <p:tag name="NUM" val="5"/>
 </p:tagLst>
 </file>
 
 <file path=ppt/tags/tag39.xml><?xml version="1.0" encoding="utf-8"?>
 <p:tagLst xmlns:a="http://schemas.openxmlformats.org/drawingml/2006/main" xmlns:r="http://schemas.openxmlformats.org/officeDocument/2006/relationships" xmlns:p="http://schemas.openxmlformats.org/presentationml/2006/main">
-  <p:tag name="NUM" val="4"/>
+  <p:tag name="NUM" val="1"/>
 </p:tagLst>
 </file>
 
@@ -12612,157 +12223,115 @@
 
 <file path=ppt/tags/tag40.xml><?xml version="1.0" encoding="utf-8"?>
 <p:tagLst xmlns:a="http://schemas.openxmlformats.org/drawingml/2006/main" xmlns:r="http://schemas.openxmlformats.org/officeDocument/2006/relationships" xmlns:p="http://schemas.openxmlformats.org/presentationml/2006/main">
-  <p:tag name="NUM" val="5"/>
+  <p:tag name="NUM" val="2"/>
 </p:tagLst>
 </file>
 
 <file path=ppt/tags/tag41.xml><?xml version="1.0" encoding="utf-8"?>
 <p:tagLst xmlns:a="http://schemas.openxmlformats.org/drawingml/2006/main" xmlns:r="http://schemas.openxmlformats.org/officeDocument/2006/relationships" xmlns:p="http://schemas.openxmlformats.org/presentationml/2006/main">
-  <p:tag name="NUM" val="1"/>
+  <p:tag name="NUM" val="3"/>
 </p:tagLst>
 </file>
 
 <file path=ppt/tags/tag42.xml><?xml version="1.0" encoding="utf-8"?>
 <p:tagLst xmlns:a="http://schemas.openxmlformats.org/drawingml/2006/main" xmlns:r="http://schemas.openxmlformats.org/officeDocument/2006/relationships" xmlns:p="http://schemas.openxmlformats.org/presentationml/2006/main">
-  <p:tag name="NUM" val="2"/>
+  <p:tag name="NUM" val="4"/>
 </p:tagLst>
 </file>
 
 <file path=ppt/tags/tag43.xml><?xml version="1.0" encoding="utf-8"?>
 <p:tagLst xmlns:a="http://schemas.openxmlformats.org/drawingml/2006/main" xmlns:r="http://schemas.openxmlformats.org/officeDocument/2006/relationships" xmlns:p="http://schemas.openxmlformats.org/presentationml/2006/main">
-  <p:tag name="NUM" val="3"/>
+  <p:tag name="NUM" val="5"/>
 </p:tagLst>
 </file>
 
 <file path=ppt/tags/tag44.xml><?xml version="1.0" encoding="utf-8"?>
 <p:tagLst xmlns:a="http://schemas.openxmlformats.org/drawingml/2006/main" xmlns:r="http://schemas.openxmlformats.org/officeDocument/2006/relationships" xmlns:p="http://schemas.openxmlformats.org/presentationml/2006/main">
-  <p:tag name="NUM" val="4"/>
+  <p:tag name="NUM" val="1"/>
 </p:tagLst>
 </file>
 
 <file path=ppt/tags/tag45.xml><?xml version="1.0" encoding="utf-8"?>
 <p:tagLst xmlns:a="http://schemas.openxmlformats.org/drawingml/2006/main" xmlns:r="http://schemas.openxmlformats.org/officeDocument/2006/relationships" xmlns:p="http://schemas.openxmlformats.org/presentationml/2006/main">
-  <p:tag name="NUM" val="5"/>
+  <p:tag name="NUM" val="2"/>
 </p:tagLst>
 </file>
 
 <file path=ppt/tags/tag46.xml><?xml version="1.0" encoding="utf-8"?>
 <p:tagLst xmlns:a="http://schemas.openxmlformats.org/drawingml/2006/main" xmlns:r="http://schemas.openxmlformats.org/officeDocument/2006/relationships" xmlns:p="http://schemas.openxmlformats.org/presentationml/2006/main">
-  <p:tag name="NUM" val="1"/>
+  <p:tag name="NUM" val="3"/>
 </p:tagLst>
 </file>
 
 <file path=ppt/tags/tag47.xml><?xml version="1.0" encoding="utf-8"?>
 <p:tagLst xmlns:a="http://schemas.openxmlformats.org/drawingml/2006/main" xmlns:r="http://schemas.openxmlformats.org/officeDocument/2006/relationships" xmlns:p="http://schemas.openxmlformats.org/presentationml/2006/main">
-  <p:tag name="NUM" val="2"/>
+  <p:tag name="NUM" val="4"/>
 </p:tagLst>
 </file>
 
 <file path=ppt/tags/tag48.xml><?xml version="1.0" encoding="utf-8"?>
 <p:tagLst xmlns:a="http://schemas.openxmlformats.org/drawingml/2006/main" xmlns:r="http://schemas.openxmlformats.org/officeDocument/2006/relationships" xmlns:p="http://schemas.openxmlformats.org/presentationml/2006/main">
-  <p:tag name="NUM" val="3"/>
+  <p:tag name="NUM" val="5"/>
 </p:tagLst>
 </file>
 
 <file path=ppt/tags/tag49.xml><?xml version="1.0" encoding="utf-8"?>
 <p:tagLst xmlns:a="http://schemas.openxmlformats.org/drawingml/2006/main" xmlns:r="http://schemas.openxmlformats.org/officeDocument/2006/relationships" xmlns:p="http://schemas.openxmlformats.org/presentationml/2006/main">
-  <p:tag name="NUM" val="4"/>
+  <p:tag name="NUM" val="1"/>
 </p:tagLst>
 </file>
 
 <file path=ppt/tags/tag5.xml><?xml version="1.0" encoding="utf-8"?>
 <p:tagLst xmlns:a="http://schemas.openxmlformats.org/drawingml/2006/main" xmlns:r="http://schemas.openxmlformats.org/officeDocument/2006/relationships" xmlns:p="http://schemas.openxmlformats.org/presentationml/2006/main">
-  <p:tag name="NUM" val="3"/>
+  <p:tag name="NUM" val="2"/>
 </p:tagLst>
 </file>
 
 <file path=ppt/tags/tag50.xml><?xml version="1.0" encoding="utf-8"?>
 <p:tagLst xmlns:a="http://schemas.openxmlformats.org/drawingml/2006/main" xmlns:r="http://schemas.openxmlformats.org/officeDocument/2006/relationships" xmlns:p="http://schemas.openxmlformats.org/presentationml/2006/main">
-  <p:tag name="NUM" val="5"/>
+  <p:tag name="NUM" val="2"/>
 </p:tagLst>
 </file>
 
 <file path=ppt/tags/tag51.xml><?xml version="1.0" encoding="utf-8"?>
 <p:tagLst xmlns:a="http://schemas.openxmlformats.org/drawingml/2006/main" xmlns:r="http://schemas.openxmlformats.org/officeDocument/2006/relationships" xmlns:p="http://schemas.openxmlformats.org/presentationml/2006/main">
-  <p:tag name="NUM" val="1"/>
+  <p:tag name="NUM" val="3"/>
 </p:tagLst>
 </file>
 
 <file path=ppt/tags/tag52.xml><?xml version="1.0" encoding="utf-8"?>
 <p:tagLst xmlns:a="http://schemas.openxmlformats.org/drawingml/2006/main" xmlns:r="http://schemas.openxmlformats.org/officeDocument/2006/relationships" xmlns:p="http://schemas.openxmlformats.org/presentationml/2006/main">
-  <p:tag name="NUM" val="2"/>
+  <p:tag name="NUM" val="4"/>
 </p:tagLst>
 </file>
 
 <file path=ppt/tags/tag53.xml><?xml version="1.0" encoding="utf-8"?>
 <p:tagLst xmlns:a="http://schemas.openxmlformats.org/drawingml/2006/main" xmlns:r="http://schemas.openxmlformats.org/officeDocument/2006/relationships" xmlns:p="http://schemas.openxmlformats.org/presentationml/2006/main">
+  <p:tag name="NUM" val="5"/>
+</p:tagLst>
+</file>
+
+<file path=ppt/tags/tag6.xml><?xml version="1.0" encoding="utf-8"?>
+<p:tagLst xmlns:a="http://schemas.openxmlformats.org/drawingml/2006/main" xmlns:r="http://schemas.openxmlformats.org/officeDocument/2006/relationships" xmlns:p="http://schemas.openxmlformats.org/presentationml/2006/main">
   <p:tag name="NUM" val="3"/>
 </p:tagLst>
 </file>
 
-<file path=ppt/tags/tag54.xml><?xml version="1.0" encoding="utf-8"?>
+<file path=ppt/tags/tag7.xml><?xml version="1.0" encoding="utf-8"?>
 <p:tagLst xmlns:a="http://schemas.openxmlformats.org/drawingml/2006/main" xmlns:r="http://schemas.openxmlformats.org/officeDocument/2006/relationships" xmlns:p="http://schemas.openxmlformats.org/presentationml/2006/main">
   <p:tag name="NUM" val="4"/>
 </p:tagLst>
 </file>
 
-<file path=ppt/tags/tag55.xml><?xml version="1.0" encoding="utf-8"?>
+<file path=ppt/tags/tag8.xml><?xml version="1.0" encoding="utf-8"?>
 <p:tagLst xmlns:a="http://schemas.openxmlformats.org/drawingml/2006/main" xmlns:r="http://schemas.openxmlformats.org/officeDocument/2006/relationships" xmlns:p="http://schemas.openxmlformats.org/presentationml/2006/main">
   <p:tag name="NUM" val="5"/>
 </p:tagLst>
 </file>
 
-<file path=ppt/tags/tag56.xml><?xml version="1.0" encoding="utf-8"?>
+<file path=ppt/tags/tag9.xml><?xml version="1.0" encoding="utf-8"?>
 <p:tagLst xmlns:a="http://schemas.openxmlformats.org/drawingml/2006/main" xmlns:r="http://schemas.openxmlformats.org/officeDocument/2006/relationships" xmlns:p="http://schemas.openxmlformats.org/presentationml/2006/main">
   <p:tag name="NUM" val="1"/>
-</p:tagLst>
-</file>
-
-<file path=ppt/tags/tag57.xml><?xml version="1.0" encoding="utf-8"?>
-<p:tagLst xmlns:a="http://schemas.openxmlformats.org/drawingml/2006/main" xmlns:r="http://schemas.openxmlformats.org/officeDocument/2006/relationships" xmlns:p="http://schemas.openxmlformats.org/presentationml/2006/main">
-  <p:tag name="NUM" val="2"/>
-</p:tagLst>
-</file>
-
-<file path=ppt/tags/tag58.xml><?xml version="1.0" encoding="utf-8"?>
-<p:tagLst xmlns:a="http://schemas.openxmlformats.org/drawingml/2006/main" xmlns:r="http://schemas.openxmlformats.org/officeDocument/2006/relationships" xmlns:p="http://schemas.openxmlformats.org/presentationml/2006/main">
-  <p:tag name="NUM" val="3"/>
-</p:tagLst>
-</file>
-
-<file path=ppt/tags/tag59.xml><?xml version="1.0" encoding="utf-8"?>
-<p:tagLst xmlns:a="http://schemas.openxmlformats.org/drawingml/2006/main" xmlns:r="http://schemas.openxmlformats.org/officeDocument/2006/relationships" xmlns:p="http://schemas.openxmlformats.org/presentationml/2006/main">
-  <p:tag name="NUM" val="4"/>
-</p:tagLst>
-</file>
-
-<file path=ppt/tags/tag6.xml><?xml version="1.0" encoding="utf-8"?>
-<p:tagLst xmlns:a="http://schemas.openxmlformats.org/drawingml/2006/main" xmlns:r="http://schemas.openxmlformats.org/officeDocument/2006/relationships" xmlns:p="http://schemas.openxmlformats.org/presentationml/2006/main">
-  <p:tag name="NUM" val="4"/>
-</p:tagLst>
-</file>
-
-<file path=ppt/tags/tag60.xml><?xml version="1.0" encoding="utf-8"?>
-<p:tagLst xmlns:a="http://schemas.openxmlformats.org/drawingml/2006/main" xmlns:r="http://schemas.openxmlformats.org/officeDocument/2006/relationships" xmlns:p="http://schemas.openxmlformats.org/presentationml/2006/main">
-  <p:tag name="NUM" val="5"/>
-</p:tagLst>
-</file>
-
-<file path=ppt/tags/tag7.xml><?xml version="1.0" encoding="utf-8"?>
-<p:tagLst xmlns:a="http://schemas.openxmlformats.org/drawingml/2006/main" xmlns:r="http://schemas.openxmlformats.org/officeDocument/2006/relationships" xmlns:p="http://schemas.openxmlformats.org/presentationml/2006/main">
-  <p:tag name="NUM" val="5"/>
-</p:tagLst>
-</file>
-
-<file path=ppt/tags/tag8.xml><?xml version="1.0" encoding="utf-8"?>
-<p:tagLst xmlns:a="http://schemas.openxmlformats.org/drawingml/2006/main" xmlns:r="http://schemas.openxmlformats.org/officeDocument/2006/relationships" xmlns:p="http://schemas.openxmlformats.org/presentationml/2006/main">
-  <p:tag name="NUM" val="6"/>
-</p:tagLst>
-</file>
-
-<file path=ppt/tags/tag9.xml><?xml version="1.0" encoding="utf-8"?>
-<p:tagLst xmlns:a="http://schemas.openxmlformats.org/drawingml/2006/main" xmlns:r="http://schemas.openxmlformats.org/officeDocument/2006/relationships" xmlns:p="http://schemas.openxmlformats.org/presentationml/2006/main">
-  <p:tag name="NUM" val="7"/>
 </p:tagLst>
 </file>
 
